--- a/Summary/20220822_microbiome_demographic_slides.pptx
+++ b/Summary/20220822_microbiome_demographic_slides.pptx
@@ -5,27 +5,22 @@
     <p:sldMasterId id="2147483648" r:id="rId1"/>
   </p:sldMasterIdLst>
   <p:notesMasterIdLst>
-    <p:notesMasterId r:id="rId20"/>
+    <p:notesMasterId r:id="rId15"/>
   </p:notesMasterIdLst>
   <p:sldIdLst>
-    <p:sldId id="256" r:id="rId2"/>
+    <p:sldId id="384" r:id="rId2"/>
     <p:sldId id="366" r:id="rId3"/>
     <p:sldId id="367" r:id="rId4"/>
-    <p:sldId id="369" r:id="rId5"/>
-    <p:sldId id="372" r:id="rId6"/>
-    <p:sldId id="373" r:id="rId7"/>
-    <p:sldId id="374" r:id="rId8"/>
-    <p:sldId id="375" r:id="rId9"/>
-    <p:sldId id="376" r:id="rId10"/>
-    <p:sldId id="377" r:id="rId11"/>
-    <p:sldId id="368" r:id="rId12"/>
-    <p:sldId id="381" r:id="rId13"/>
-    <p:sldId id="378" r:id="rId14"/>
-    <p:sldId id="379" r:id="rId15"/>
-    <p:sldId id="371" r:id="rId16"/>
-    <p:sldId id="370" r:id="rId17"/>
-    <p:sldId id="382" r:id="rId18"/>
-    <p:sldId id="383" r:id="rId19"/>
+    <p:sldId id="394" r:id="rId5"/>
+    <p:sldId id="380" r:id="rId6"/>
+    <p:sldId id="385" r:id="rId7"/>
+    <p:sldId id="386" r:id="rId8"/>
+    <p:sldId id="374" r:id="rId9"/>
+    <p:sldId id="387" r:id="rId10"/>
+    <p:sldId id="376" r:id="rId11"/>
+    <p:sldId id="377" r:id="rId12"/>
+    <p:sldId id="392" r:id="rId13"/>
+    <p:sldId id="393" r:id="rId14"/>
   </p:sldIdLst>
   <p:sldSz cx="12192000" cy="6858000"/>
   <p:notesSz cx="6858000" cy="9144000"/>
@@ -129,24 +124,19 @@
       <p14:sectionLst xmlns:p14="http://schemas.microsoft.com/office/powerpoint/2010/main">
         <p14:section name="Default Section" id="{0CDF784F-B37D-496E-B3C2-4437BB28292B}">
           <p14:sldIdLst>
-            <p14:sldId id="256"/>
+            <p14:sldId id="384"/>
             <p14:sldId id="366"/>
             <p14:sldId id="367"/>
-            <p14:sldId id="369"/>
-            <p14:sldId id="372"/>
-            <p14:sldId id="373"/>
+            <p14:sldId id="394"/>
+            <p14:sldId id="380"/>
+            <p14:sldId id="385"/>
+            <p14:sldId id="386"/>
             <p14:sldId id="374"/>
-            <p14:sldId id="375"/>
+            <p14:sldId id="387"/>
             <p14:sldId id="376"/>
             <p14:sldId id="377"/>
-            <p14:sldId id="368"/>
-            <p14:sldId id="381"/>
-            <p14:sldId id="378"/>
-            <p14:sldId id="379"/>
-            <p14:sldId id="371"/>
-            <p14:sldId id="370"/>
-            <p14:sldId id="382"/>
-            <p14:sldId id="383"/>
+            <p14:sldId id="392"/>
+            <p14:sldId id="393"/>
           </p14:sldIdLst>
         </p14:section>
       </p14:sectionLst>
@@ -158,32 +148,440 @@
 </p:presentation>
 </file>
 
+<file path=ppt/revisionInfo.xml><?xml version="1.0" encoding="utf-8"?>
+<p1510:revInfo xmlns:a="http://schemas.openxmlformats.org/drawingml/2006/main" xmlns:r="http://schemas.openxmlformats.org/officeDocument/2006/relationships" xmlns:p1510="http://schemas.microsoft.com/office/powerpoint/2015/10/main">
+  <p1510:revLst>
+    <p1510:client id="{8B08D110-2608-456E-A3D2-C1AB89D98C7E}" v="32" dt="2022-08-22T20:07:04.947"/>
+  </p1510:revLst>
+</p1510:revInfo>
+</file>
+
 <file path=ppt/changesInfos/changesInfo1.xml><?xml version="1.0" encoding="utf-8"?>
 <pc:chgInfo xmlns:a="http://schemas.openxmlformats.org/drawingml/2006/main" xmlns:r="http://schemas.openxmlformats.org/officeDocument/2006/relationships" xmlns:ac="http://schemas.microsoft.com/office/drawing/2013/main/command" xmlns:pc="http://schemas.microsoft.com/office/powerpoint/2013/main/command">
   <pc:docChgLst>
     <pc:chgData name="Jonathan Mah" userId="5261b2f2f3e51194" providerId="LiveId" clId="{8B08D110-2608-456E-A3D2-C1AB89D98C7E}"/>
-    <pc:docChg chg="custSel delSld modSld modSection">
-      <pc:chgData name="Jonathan Mah" userId="5261b2f2f3e51194" providerId="LiveId" clId="{8B08D110-2608-456E-A3D2-C1AB89D98C7E}" dt="2022-08-22T16:20:43.653" v="2" actId="47"/>
+    <pc:docChg chg="undo redo custSel addSld delSld modSld sldOrd delSection modSection">
+      <pc:chgData name="Jonathan Mah" userId="5261b2f2f3e51194" providerId="LiveId" clId="{8B08D110-2608-456E-A3D2-C1AB89D98C7E}" dt="2022-08-22T20:10:39.395" v="284" actId="47"/>
       <pc:docMkLst>
         <pc:docMk/>
       </pc:docMkLst>
-      <pc:sldChg chg="delSp del mod">
-        <pc:chgData name="Jonathan Mah" userId="5261b2f2f3e51194" providerId="LiveId" clId="{8B08D110-2608-456E-A3D2-C1AB89D98C7E}" dt="2022-08-22T16:20:43.653" v="2" actId="47"/>
+      <pc:sldChg chg="modSp del mod">
+        <pc:chgData name="Jonathan Mah" userId="5261b2f2f3e51194" providerId="LiveId" clId="{8B08D110-2608-456E-A3D2-C1AB89D98C7E}" dt="2022-08-22T19:44:08.969" v="78" actId="47"/>
+        <pc:sldMkLst>
+          <pc:docMk/>
+          <pc:sldMk cId="1442538198" sldId="256"/>
+        </pc:sldMkLst>
+        <pc:spChg chg="mod">
+          <ac:chgData name="Jonathan Mah" userId="5261b2f2f3e51194" providerId="LiveId" clId="{8B08D110-2608-456E-A3D2-C1AB89D98C7E}" dt="2022-08-22T17:58:26.311" v="73" actId="20577"/>
+          <ac:spMkLst>
+            <pc:docMk/>
+            <pc:sldMk cId="1442538198" sldId="256"/>
+            <ac:spMk id="3" creationId="{D712BDE3-5450-4B18-B90B-D71DD9D5BAC2}"/>
+          </ac:spMkLst>
+        </pc:spChg>
+      </pc:sldChg>
+      <pc:sldChg chg="modSp add del mod">
+        <pc:chgData name="Jonathan Mah" userId="5261b2f2f3e51194" providerId="LiveId" clId="{8B08D110-2608-456E-A3D2-C1AB89D98C7E}" dt="2022-08-22T20:04:55.026" v="273" actId="20577"/>
+        <pc:sldMkLst>
+          <pc:docMk/>
+          <pc:sldMk cId="2977728054" sldId="366"/>
+        </pc:sldMkLst>
+        <pc:spChg chg="mod">
+          <ac:chgData name="Jonathan Mah" userId="5261b2f2f3e51194" providerId="LiveId" clId="{8B08D110-2608-456E-A3D2-C1AB89D98C7E}" dt="2022-08-22T20:04:55.026" v="273" actId="20577"/>
+          <ac:spMkLst>
+            <pc:docMk/>
+            <pc:sldMk cId="2977728054" sldId="366"/>
+            <ac:spMk id="3" creationId="{0185D601-86C1-40AA-B68A-90906EDD42C9}"/>
+          </ac:spMkLst>
+        </pc:spChg>
+      </pc:sldChg>
+      <pc:sldChg chg="addSp delSp modSp add del mod">
+        <pc:chgData name="Jonathan Mah" userId="5261b2f2f3e51194" providerId="LiveId" clId="{8B08D110-2608-456E-A3D2-C1AB89D98C7E}" dt="2022-08-22T20:04:10.522" v="182" actId="6549"/>
+        <pc:sldMkLst>
+          <pc:docMk/>
+          <pc:sldMk cId="3072451707" sldId="367"/>
+        </pc:sldMkLst>
+        <pc:spChg chg="mod">
+          <ac:chgData name="Jonathan Mah" userId="5261b2f2f3e51194" providerId="LiveId" clId="{8B08D110-2608-456E-A3D2-C1AB89D98C7E}" dt="2022-08-22T20:04:10.522" v="182" actId="6549"/>
+          <ac:spMkLst>
+            <pc:docMk/>
+            <pc:sldMk cId="3072451707" sldId="367"/>
+            <ac:spMk id="3" creationId="{1B5CE104-2AB2-6D90-DE18-FE3A56690CF6}"/>
+          </ac:spMkLst>
+        </pc:spChg>
+        <pc:picChg chg="add mod">
+          <ac:chgData name="Jonathan Mah" userId="5261b2f2f3e51194" providerId="LiveId" clId="{8B08D110-2608-456E-A3D2-C1AB89D98C7E}" dt="2022-08-22T19:44:31.982" v="94" actId="27614"/>
+          <ac:picMkLst>
+            <pc:docMk/>
+            <pc:sldMk cId="3072451707" sldId="367"/>
+            <ac:picMk id="4" creationId="{22B78AA7-B0D8-370F-4F0A-43B832021CD3}"/>
+          </ac:picMkLst>
+        </pc:picChg>
+        <pc:picChg chg="add del mod">
+          <ac:chgData name="Jonathan Mah" userId="5261b2f2f3e51194" providerId="LiveId" clId="{8B08D110-2608-456E-A3D2-C1AB89D98C7E}" dt="2022-08-22T17:56:18.654" v="39" actId="931"/>
+          <ac:picMkLst>
+            <pc:docMk/>
+            <pc:sldMk cId="3072451707" sldId="367"/>
+            <ac:picMk id="4" creationId="{A378CE6F-65FD-18B9-7B6A-1A52FF7E3C00}"/>
+          </ac:picMkLst>
+        </pc:picChg>
+        <pc:picChg chg="del">
+          <ac:chgData name="Jonathan Mah" userId="5261b2f2f3e51194" providerId="LiveId" clId="{8B08D110-2608-456E-A3D2-C1AB89D98C7E}" dt="2022-08-22T19:44:19.538" v="92" actId="478"/>
+          <ac:picMkLst>
+            <pc:docMk/>
+            <pc:sldMk cId="3072451707" sldId="367"/>
+            <ac:picMk id="11" creationId="{6E91517A-4556-2DAD-50B1-31AFFF8413A9}"/>
+          </ac:picMkLst>
+        </pc:picChg>
+      </pc:sldChg>
+      <pc:sldChg chg="add del">
+        <pc:chgData name="Jonathan Mah" userId="5261b2f2f3e51194" providerId="LiveId" clId="{8B08D110-2608-456E-A3D2-C1AB89D98C7E}" dt="2022-08-22T19:47:24.867" v="122" actId="47"/>
+        <pc:sldMkLst>
+          <pc:docMk/>
+          <pc:sldMk cId="2960659961" sldId="368"/>
+        </pc:sldMkLst>
+      </pc:sldChg>
+      <pc:sldChg chg="add del">
+        <pc:chgData name="Jonathan Mah" userId="5261b2f2f3e51194" providerId="LiveId" clId="{8B08D110-2608-456E-A3D2-C1AB89D98C7E}" dt="2022-08-22T19:44:44.744" v="97" actId="47"/>
+        <pc:sldMkLst>
+          <pc:docMk/>
+          <pc:sldMk cId="1270107972" sldId="369"/>
+        </pc:sldMkLst>
+      </pc:sldChg>
+      <pc:sldChg chg="del">
+        <pc:chgData name="Jonathan Mah" userId="5261b2f2f3e51194" providerId="LiveId" clId="{8B08D110-2608-456E-A3D2-C1AB89D98C7E}" dt="2022-08-22T19:44:11.017" v="85" actId="47"/>
+        <pc:sldMkLst>
+          <pc:docMk/>
+          <pc:sldMk cId="2781293637" sldId="370"/>
+        </pc:sldMkLst>
+      </pc:sldChg>
+      <pc:sldChg chg="del">
+        <pc:chgData name="Jonathan Mah" userId="5261b2f2f3e51194" providerId="LiveId" clId="{8B08D110-2608-456E-A3D2-C1AB89D98C7E}" dt="2022-08-22T19:44:10.695" v="84" actId="47"/>
+        <pc:sldMkLst>
+          <pc:docMk/>
+          <pc:sldMk cId="3138851951" sldId="371"/>
+        </pc:sldMkLst>
+      </pc:sldChg>
+      <pc:sldChg chg="addSp delSp modSp del mod">
+        <pc:chgData name="Jonathan Mah" userId="5261b2f2f3e51194" providerId="LiveId" clId="{8B08D110-2608-456E-A3D2-C1AB89D98C7E}" dt="2022-08-22T19:44:09.152" v="79" actId="47"/>
+        <pc:sldMkLst>
+          <pc:docMk/>
+          <pc:sldMk cId="1981462907" sldId="372"/>
+        </pc:sldMkLst>
+        <pc:spChg chg="add del mod">
+          <ac:chgData name="Jonathan Mah" userId="5261b2f2f3e51194" providerId="LiveId" clId="{8B08D110-2608-456E-A3D2-C1AB89D98C7E}" dt="2022-08-22T17:50:07.447" v="11" actId="478"/>
+          <ac:spMkLst>
+            <pc:docMk/>
+            <pc:sldMk cId="1981462907" sldId="372"/>
+            <ac:spMk id="8" creationId="{1BC89C40-8B3A-03CB-81B8-E73A19799CF1}"/>
+          </ac:spMkLst>
+        </pc:spChg>
+        <pc:picChg chg="del mod">
+          <ac:chgData name="Jonathan Mah" userId="5261b2f2f3e51194" providerId="LiveId" clId="{8B08D110-2608-456E-A3D2-C1AB89D98C7E}" dt="2022-08-22T17:50:05.177" v="9" actId="478"/>
+          <ac:picMkLst>
+            <pc:docMk/>
+            <pc:sldMk cId="1981462907" sldId="372"/>
+            <ac:picMk id="5" creationId="{2488A0D0-4397-38A8-8098-761E376F1105}"/>
+          </ac:picMkLst>
+        </pc:picChg>
+        <pc:picChg chg="add mod">
+          <ac:chgData name="Jonathan Mah" userId="5261b2f2f3e51194" providerId="LiveId" clId="{8B08D110-2608-456E-A3D2-C1AB89D98C7E}" dt="2022-08-22T17:50:08.873" v="12" actId="1076"/>
+          <ac:picMkLst>
+            <pc:docMk/>
+            <pc:sldMk cId="1981462907" sldId="372"/>
+            <ac:picMk id="6" creationId="{18F7BA9C-5927-AAD6-5EAE-B8BA7E0D62E2}"/>
+          </ac:picMkLst>
+        </pc:picChg>
+        <pc:picChg chg="add del mod">
+          <ac:chgData name="Jonathan Mah" userId="5261b2f2f3e51194" providerId="LiveId" clId="{8B08D110-2608-456E-A3D2-C1AB89D98C7E}" dt="2022-08-22T17:56:13.838" v="29" actId="931"/>
+          <ac:picMkLst>
+            <pc:docMk/>
+            <pc:sldMk cId="1981462907" sldId="372"/>
+            <ac:picMk id="10" creationId="{B2DF7C19-DDE9-6280-2997-00B7D02C3678}"/>
+          </ac:picMkLst>
+        </pc:picChg>
+      </pc:sldChg>
+      <pc:sldChg chg="addSp delSp modSp del mod">
+        <pc:chgData name="Jonathan Mah" userId="5261b2f2f3e51194" providerId="LiveId" clId="{8B08D110-2608-456E-A3D2-C1AB89D98C7E}" dt="2022-08-22T19:44:09.319" v="80" actId="47"/>
+        <pc:sldMkLst>
+          <pc:docMk/>
+          <pc:sldMk cId="2320380963" sldId="373"/>
+        </pc:sldMkLst>
+        <pc:spChg chg="add del mod">
+          <ac:chgData name="Jonathan Mah" userId="5261b2f2f3e51194" providerId="LiveId" clId="{8B08D110-2608-456E-A3D2-C1AB89D98C7E}" dt="2022-08-22T17:56:20.511" v="44" actId="478"/>
+          <ac:spMkLst>
+            <pc:docMk/>
+            <pc:sldMk cId="2320380963" sldId="373"/>
+            <ac:spMk id="7" creationId="{C7D3496F-85AE-567F-9FC4-B4B186F3C297}"/>
+          </ac:spMkLst>
+        </pc:spChg>
+        <pc:picChg chg="add del mod">
+          <ac:chgData name="Jonathan Mah" userId="5261b2f2f3e51194" providerId="LiveId" clId="{8B08D110-2608-456E-A3D2-C1AB89D98C7E}" dt="2022-08-22T17:56:20.968" v="45" actId="1076"/>
+          <ac:picMkLst>
+            <pc:docMk/>
+            <pc:sldMk cId="2320380963" sldId="373"/>
+            <ac:picMk id="4" creationId="{E85F2E02-9841-741C-B714-C24FC65F4A90}"/>
+          </ac:picMkLst>
+        </pc:picChg>
+        <pc:picChg chg="add del">
+          <ac:chgData name="Jonathan Mah" userId="5261b2f2f3e51194" providerId="LiveId" clId="{8B08D110-2608-456E-A3D2-C1AB89D98C7E}" dt="2022-08-22T17:56:20.045" v="43" actId="478"/>
+          <ac:picMkLst>
+            <pc:docMk/>
+            <pc:sldMk cId="2320380963" sldId="373"/>
+            <ac:picMk id="5" creationId="{6BE5D954-3B4A-D5EC-60CF-83E2C9D6840A}"/>
+          </ac:picMkLst>
+        </pc:picChg>
+      </pc:sldChg>
+      <pc:sldChg chg="addSp delSp modSp add del mod">
+        <pc:chgData name="Jonathan Mah" userId="5261b2f2f3e51194" providerId="LiveId" clId="{8B08D110-2608-456E-A3D2-C1AB89D98C7E}" dt="2022-08-22T19:45:22.950" v="110" actId="962"/>
+        <pc:sldMkLst>
+          <pc:docMk/>
+          <pc:sldMk cId="3324974773" sldId="374"/>
+        </pc:sldMkLst>
+        <pc:spChg chg="add del mod">
+          <ac:chgData name="Jonathan Mah" userId="5261b2f2f3e51194" providerId="LiveId" clId="{8B08D110-2608-456E-A3D2-C1AB89D98C7E}" dt="2022-08-22T19:45:22.281" v="108" actId="931"/>
+          <ac:spMkLst>
+            <pc:docMk/>
+            <pc:sldMk cId="3324974773" sldId="374"/>
+            <ac:spMk id="4" creationId="{4093C3B0-D8F6-D1AD-2339-47B6DFC57A6B}"/>
+          </ac:spMkLst>
+        </pc:spChg>
+        <pc:picChg chg="add del mod">
+          <ac:chgData name="Jonathan Mah" userId="5261b2f2f3e51194" providerId="LiveId" clId="{8B08D110-2608-456E-A3D2-C1AB89D98C7E}" dt="2022-08-22T17:56:41.396" v="48" actId="478"/>
+          <ac:picMkLst>
+            <pc:docMk/>
+            <pc:sldMk cId="3324974773" sldId="374"/>
+            <ac:picMk id="4" creationId="{E85D193A-7A0E-F0DF-AB81-4968AB69F428}"/>
+          </ac:picMkLst>
+        </pc:picChg>
+        <pc:picChg chg="del">
+          <ac:chgData name="Jonathan Mah" userId="5261b2f2f3e51194" providerId="LiveId" clId="{8B08D110-2608-456E-A3D2-C1AB89D98C7E}" dt="2022-08-22T19:45:15.270" v="107" actId="478"/>
+          <ac:picMkLst>
+            <pc:docMk/>
+            <pc:sldMk cId="3324974773" sldId="374"/>
+            <ac:picMk id="5" creationId="{52AF2059-0CE3-2004-15D2-DB546AF3E31F}"/>
+          </ac:picMkLst>
+        </pc:picChg>
+        <pc:picChg chg="add mod">
+          <ac:chgData name="Jonathan Mah" userId="5261b2f2f3e51194" providerId="LiveId" clId="{8B08D110-2608-456E-A3D2-C1AB89D98C7E}" dt="2022-08-22T19:45:22.950" v="110" actId="962"/>
+          <ac:picMkLst>
+            <pc:docMk/>
+            <pc:sldMk cId="3324974773" sldId="374"/>
+            <ac:picMk id="7" creationId="{090EF9FB-2956-5F84-F1A5-E6F7C15740D9}"/>
+          </ac:picMkLst>
+        </pc:picChg>
+      </pc:sldChg>
+      <pc:sldChg chg="addSp delSp modSp del mod">
+        <pc:chgData name="Jonathan Mah" userId="5261b2f2f3e51194" providerId="LiveId" clId="{8B08D110-2608-456E-A3D2-C1AB89D98C7E}" dt="2022-08-22T19:44:09.464" v="81" actId="47"/>
+        <pc:sldMkLst>
+          <pc:docMk/>
+          <pc:sldMk cId="1098799274" sldId="375"/>
+        </pc:sldMkLst>
+        <pc:spChg chg="add del mod">
+          <ac:chgData name="Jonathan Mah" userId="5261b2f2f3e51194" providerId="LiveId" clId="{8B08D110-2608-456E-A3D2-C1AB89D98C7E}" dt="2022-08-22T17:57:00.795" v="55" actId="478"/>
+          <ac:spMkLst>
+            <pc:docMk/>
+            <pc:sldMk cId="1098799274" sldId="375"/>
+            <ac:spMk id="7" creationId="{64ACE76C-A18E-3975-84BA-CF8D3E49B4C0}"/>
+          </ac:spMkLst>
+        </pc:spChg>
+        <pc:picChg chg="add mod">
+          <ac:chgData name="Jonathan Mah" userId="5261b2f2f3e51194" providerId="LiveId" clId="{8B08D110-2608-456E-A3D2-C1AB89D98C7E}" dt="2022-08-22T17:57:02.031" v="56" actId="1076"/>
+          <ac:picMkLst>
+            <pc:docMk/>
+            <pc:sldMk cId="1098799274" sldId="375"/>
+            <ac:picMk id="4" creationId="{603D19DA-2633-28D5-B692-713D3F0D15E7}"/>
+          </ac:picMkLst>
+        </pc:picChg>
+        <pc:picChg chg="del">
+          <ac:chgData name="Jonathan Mah" userId="5261b2f2f3e51194" providerId="LiveId" clId="{8B08D110-2608-456E-A3D2-C1AB89D98C7E}" dt="2022-08-22T17:56:58.656" v="54" actId="478"/>
+          <ac:picMkLst>
+            <pc:docMk/>
+            <pc:sldMk cId="1098799274" sldId="375"/>
+            <ac:picMk id="5" creationId="{5D9B97FD-4105-677B-8846-BCD8B3A9AEE6}"/>
+          </ac:picMkLst>
+        </pc:picChg>
+      </pc:sldChg>
+      <pc:sldChg chg="addSp delSp modSp add del mod">
+        <pc:chgData name="Jonathan Mah" userId="5261b2f2f3e51194" providerId="LiveId" clId="{8B08D110-2608-456E-A3D2-C1AB89D98C7E}" dt="2022-08-22T19:46:05.195" v="118" actId="962"/>
+        <pc:sldMkLst>
+          <pc:docMk/>
+          <pc:sldMk cId="777973639" sldId="376"/>
+        </pc:sldMkLst>
+        <pc:spChg chg="add del mod">
+          <ac:chgData name="Jonathan Mah" userId="5261b2f2f3e51194" providerId="LiveId" clId="{8B08D110-2608-456E-A3D2-C1AB89D98C7E}" dt="2022-08-22T19:46:04.547" v="116" actId="931"/>
+          <ac:spMkLst>
+            <pc:docMk/>
+            <pc:sldMk cId="777973639" sldId="376"/>
+            <ac:spMk id="4" creationId="{269B4E42-5C9F-FAF4-CA6C-F7DD868FB801}"/>
+          </ac:spMkLst>
+        </pc:spChg>
+        <pc:picChg chg="add del mod">
+          <ac:chgData name="Jonathan Mah" userId="5261b2f2f3e51194" providerId="LiveId" clId="{8B08D110-2608-456E-A3D2-C1AB89D98C7E}" dt="2022-08-22T17:57:22.194" v="58" actId="478"/>
+          <ac:picMkLst>
+            <pc:docMk/>
+            <pc:sldMk cId="777973639" sldId="376"/>
+            <ac:picMk id="4" creationId="{DF9B7490-B580-CC90-FC5A-EB7621A4CE58}"/>
+          </ac:picMkLst>
+        </pc:picChg>
+        <pc:picChg chg="del">
+          <ac:chgData name="Jonathan Mah" userId="5261b2f2f3e51194" providerId="LiveId" clId="{8B08D110-2608-456E-A3D2-C1AB89D98C7E}" dt="2022-08-22T19:45:52.476" v="115" actId="478"/>
+          <ac:picMkLst>
+            <pc:docMk/>
+            <pc:sldMk cId="777973639" sldId="376"/>
+            <ac:picMk id="5" creationId="{D4D47DED-CF73-A33C-F093-2794C363B7D9}"/>
+          </ac:picMkLst>
+        </pc:picChg>
+        <pc:picChg chg="add mod">
+          <ac:chgData name="Jonathan Mah" userId="5261b2f2f3e51194" providerId="LiveId" clId="{8B08D110-2608-456E-A3D2-C1AB89D98C7E}" dt="2022-08-22T19:46:05.195" v="118" actId="962"/>
+          <ac:picMkLst>
+            <pc:docMk/>
+            <pc:sldMk cId="777973639" sldId="376"/>
+            <ac:picMk id="7" creationId="{D5DD75FE-2AF6-4C43-7EC1-D817AACF6D77}"/>
+          </ac:picMkLst>
+        </pc:picChg>
+      </pc:sldChg>
+      <pc:sldChg chg="addSp delSp modSp add del mod">
+        <pc:chgData name="Jonathan Mah" userId="5261b2f2f3e51194" providerId="LiveId" clId="{8B08D110-2608-456E-A3D2-C1AB89D98C7E}" dt="2022-08-22T19:46:28.091" v="121" actId="27614"/>
+        <pc:sldMkLst>
+          <pc:docMk/>
+          <pc:sldMk cId="1930837532" sldId="377"/>
+        </pc:sldMkLst>
+        <pc:spChg chg="add del mod">
+          <ac:chgData name="Jonathan Mah" userId="5261b2f2f3e51194" providerId="LiveId" clId="{8B08D110-2608-456E-A3D2-C1AB89D98C7E}" dt="2022-08-22T19:46:27.076" v="120" actId="931"/>
+          <ac:spMkLst>
+            <pc:docMk/>
+            <pc:sldMk cId="1930837532" sldId="377"/>
+            <ac:spMk id="4" creationId="{14A2616C-67CA-2A3C-691F-2EBE93EDC586}"/>
+          </ac:spMkLst>
+        </pc:spChg>
+        <pc:picChg chg="add del mod">
+          <ac:chgData name="Jonathan Mah" userId="5261b2f2f3e51194" providerId="LiveId" clId="{8B08D110-2608-456E-A3D2-C1AB89D98C7E}" dt="2022-08-22T17:57:40.283" v="61" actId="478"/>
+          <ac:picMkLst>
+            <pc:docMk/>
+            <pc:sldMk cId="1930837532" sldId="377"/>
+            <ac:picMk id="4" creationId="{491D237A-6B69-E7F8-A060-17F26C9D2D29}"/>
+          </ac:picMkLst>
+        </pc:picChg>
+        <pc:picChg chg="del">
+          <ac:chgData name="Jonathan Mah" userId="5261b2f2f3e51194" providerId="LiveId" clId="{8B08D110-2608-456E-A3D2-C1AB89D98C7E}" dt="2022-08-22T19:46:16.811" v="119" actId="478"/>
+          <ac:picMkLst>
+            <pc:docMk/>
+            <pc:sldMk cId="1930837532" sldId="377"/>
+            <ac:picMk id="5" creationId="{465E2E29-D0FF-EF1E-4A7E-5E8771D57498}"/>
+          </ac:picMkLst>
+        </pc:picChg>
+        <pc:picChg chg="add mod">
+          <ac:chgData name="Jonathan Mah" userId="5261b2f2f3e51194" providerId="LiveId" clId="{8B08D110-2608-456E-A3D2-C1AB89D98C7E}" dt="2022-08-22T19:46:28.091" v="121" actId="27614"/>
+          <ac:picMkLst>
+            <pc:docMk/>
+            <pc:sldMk cId="1930837532" sldId="377"/>
+            <ac:picMk id="7" creationId="{D364EA9B-8CC2-D387-172D-7EFC309EB203}"/>
+          </ac:picMkLst>
+        </pc:picChg>
+      </pc:sldChg>
+      <pc:sldChg chg="add del">
+        <pc:chgData name="Jonathan Mah" userId="5261b2f2f3e51194" providerId="LiveId" clId="{8B08D110-2608-456E-A3D2-C1AB89D98C7E}" dt="2022-08-22T19:48:05.701" v="128" actId="47"/>
+        <pc:sldMkLst>
+          <pc:docMk/>
+          <pc:sldMk cId="3936373806" sldId="378"/>
+        </pc:sldMkLst>
+      </pc:sldChg>
+      <pc:sldChg chg="del">
+        <pc:chgData name="Jonathan Mah" userId="5261b2f2f3e51194" providerId="LiveId" clId="{8B08D110-2608-456E-A3D2-C1AB89D98C7E}" dt="2022-08-22T19:44:09.768" v="83" actId="47"/>
+        <pc:sldMkLst>
+          <pc:docMk/>
+          <pc:sldMk cId="1931460690" sldId="379"/>
+        </pc:sldMkLst>
+      </pc:sldChg>
+      <pc:sldChg chg="addSp delSp modSp add del mod">
+        <pc:chgData name="Jonathan Mah" userId="5261b2f2f3e51194" providerId="LiveId" clId="{8B08D110-2608-456E-A3D2-C1AB89D98C7E}" dt="2022-08-22T19:56:35.064" v="167" actId="1076"/>
         <pc:sldMkLst>
           <pc:docMk/>
           <pc:sldMk cId="3070443774" sldId="380"/>
         </pc:sldMkLst>
+        <pc:spChg chg="add del">
+          <ac:chgData name="Jonathan Mah" userId="5261b2f2f3e51194" providerId="LiveId" clId="{8B08D110-2608-456E-A3D2-C1AB89D98C7E}" dt="2022-08-22T19:54:41.074" v="134"/>
+          <ac:spMkLst>
+            <pc:docMk/>
+            <pc:sldMk cId="3070443774" sldId="380"/>
+            <ac:spMk id="2" creationId="{2E1C7A4F-E5A3-1578-A58E-3AF454C1153C}"/>
+          </ac:spMkLst>
+        </pc:spChg>
+        <pc:spChg chg="add del">
+          <ac:chgData name="Jonathan Mah" userId="5261b2f2f3e51194" providerId="LiveId" clId="{8B08D110-2608-456E-A3D2-C1AB89D98C7E}" dt="2022-08-22T19:56:21.592" v="160"/>
+          <ac:spMkLst>
+            <pc:docMk/>
+            <pc:sldMk cId="3070443774" sldId="380"/>
+            <ac:spMk id="5" creationId="{FDAE24F4-5470-B7B5-F1DE-D3F678C62B9A}"/>
+          </ac:spMkLst>
+        </pc:spChg>
+        <pc:spChg chg="mod">
+          <ac:chgData name="Jonathan Mah" userId="5261b2f2f3e51194" providerId="LiveId" clId="{8B08D110-2608-456E-A3D2-C1AB89D98C7E}" dt="2022-08-22T19:54:47.927" v="157" actId="20577"/>
+          <ac:spMkLst>
+            <pc:docMk/>
+            <pc:sldMk cId="3070443774" sldId="380"/>
+            <ac:spMk id="8" creationId="{5261F795-AC8D-5353-1B78-5C62B853111D}"/>
+          </ac:spMkLst>
+        </pc:spChg>
         <pc:picChg chg="del">
-          <ac:chgData name="Jonathan Mah" userId="5261b2f2f3e51194" providerId="LiveId" clId="{8B08D110-2608-456E-A3D2-C1AB89D98C7E}" dt="2022-08-22T16:17:46.043" v="1" actId="478"/>
+          <ac:chgData name="Jonathan Mah" userId="5261b2f2f3e51194" providerId="LiveId" clId="{8B08D110-2608-456E-A3D2-C1AB89D98C7E}" dt="2022-08-22T19:51:12.625" v="132" actId="478"/>
           <ac:picMkLst>
             <pc:docMk/>
             <pc:sldMk cId="3070443774" sldId="380"/>
             <ac:picMk id="3" creationId="{B7731CCF-87A6-63AA-F2F1-769292ADE48D}"/>
           </ac:picMkLst>
         </pc:picChg>
+        <pc:picChg chg="add mod">
+          <ac:chgData name="Jonathan Mah" userId="5261b2f2f3e51194" providerId="LiveId" clId="{8B08D110-2608-456E-A3D2-C1AB89D98C7E}" dt="2022-08-22T19:56:35.064" v="167" actId="1076"/>
+          <ac:picMkLst>
+            <pc:docMk/>
+            <pc:sldMk cId="3070443774" sldId="380"/>
+            <ac:picMk id="4" creationId="{42490D99-289B-6205-59AF-EFADCBB9B53E}"/>
+          </ac:picMkLst>
+        </pc:picChg>
+        <pc:picChg chg="add del mod">
+          <ac:chgData name="Jonathan Mah" userId="5261b2f2f3e51194" providerId="LiveId" clId="{8B08D110-2608-456E-A3D2-C1AB89D98C7E}" dt="2022-08-22T19:56:31.516" v="165" actId="478"/>
+          <ac:picMkLst>
+            <pc:docMk/>
+            <pc:sldMk cId="3070443774" sldId="380"/>
+            <ac:picMk id="6" creationId="{494A66E8-7536-E6BB-9EEA-60C14DEFD1D0}"/>
+          </ac:picMkLst>
+        </pc:picChg>
       </pc:sldChg>
-      <pc:sldChg chg="modSp mod">
-        <pc:chgData name="Jonathan Mah" userId="5261b2f2f3e51194" providerId="LiveId" clId="{8B08D110-2608-456E-A3D2-C1AB89D98C7E}" dt="2022-08-22T16:17:33.013" v="0" actId="1076"/>
+      <pc:sldChg chg="delSp modSp del mod">
+        <pc:chgData name="Jonathan Mah" userId="5261b2f2f3e51194" providerId="LiveId" clId="{8B08D110-2608-456E-A3D2-C1AB89D98C7E}" dt="2022-08-22T19:44:09.607" v="82" actId="47"/>
+        <pc:sldMkLst>
+          <pc:docMk/>
+          <pc:sldMk cId="2015771658" sldId="381"/>
+        </pc:sldMkLst>
+        <pc:spChg chg="mod">
+          <ac:chgData name="Jonathan Mah" userId="5261b2f2f3e51194" providerId="LiveId" clId="{8B08D110-2608-456E-A3D2-C1AB89D98C7E}" dt="2022-08-22T17:57:58.921" v="66" actId="20577"/>
+          <ac:spMkLst>
+            <pc:docMk/>
+            <pc:sldMk cId="2015771658" sldId="381"/>
+            <ac:spMk id="2" creationId="{0FD59ED8-51AC-6E92-D869-0B1D7427D4A7}"/>
+          </ac:spMkLst>
+        </pc:spChg>
+        <pc:spChg chg="del">
+          <ac:chgData name="Jonathan Mah" userId="5261b2f2f3e51194" providerId="LiveId" clId="{8B08D110-2608-456E-A3D2-C1AB89D98C7E}" dt="2022-08-22T17:58:03.446" v="67" actId="478"/>
+          <ac:spMkLst>
+            <pc:docMk/>
+            <pc:sldMk cId="2015771658" sldId="381"/>
+            <ac:spMk id="8" creationId="{3D140189-6A3E-767C-6463-55B5C0154432}"/>
+          </ac:spMkLst>
+        </pc:spChg>
+        <pc:picChg chg="mod">
+          <ac:chgData name="Jonathan Mah" userId="5261b2f2f3e51194" providerId="LiveId" clId="{8B08D110-2608-456E-A3D2-C1AB89D98C7E}" dt="2022-08-22T17:58:12.104" v="68" actId="1076"/>
+          <ac:picMkLst>
+            <pc:docMk/>
+            <pc:sldMk cId="2015771658" sldId="381"/>
+            <ac:picMk id="7" creationId="{D4B5F1AA-5A89-CE2B-60FC-607CEBDC83A0}"/>
+          </ac:picMkLst>
+        </pc:picChg>
+      </pc:sldChg>
+      <pc:sldChg chg="modSp del mod">
+        <pc:chgData name="Jonathan Mah" userId="5261b2f2f3e51194" providerId="LiveId" clId="{8B08D110-2608-456E-A3D2-C1AB89D98C7E}" dt="2022-08-22T19:44:11.315" v="86" actId="47"/>
         <pc:sldMkLst>
           <pc:docMk/>
           <pc:sldMk cId="3538373345" sldId="382"/>
@@ -196,6 +594,226 @@
             <ac:spMk id="3" creationId="{1747A062-6D09-3F49-9719-9EC1D1335A5B}"/>
           </ac:spMkLst>
         </pc:spChg>
+      </pc:sldChg>
+      <pc:sldChg chg="del">
+        <pc:chgData name="Jonathan Mah" userId="5261b2f2f3e51194" providerId="LiveId" clId="{8B08D110-2608-456E-A3D2-C1AB89D98C7E}" dt="2022-08-22T19:44:11.471" v="87" actId="47"/>
+        <pc:sldMkLst>
+          <pc:docMk/>
+          <pc:sldMk cId="1096774847" sldId="383"/>
+        </pc:sldMkLst>
+      </pc:sldChg>
+      <pc:sldChg chg="modSp add mod">
+        <pc:chgData name="Jonathan Mah" userId="5261b2f2f3e51194" providerId="LiveId" clId="{8B08D110-2608-456E-A3D2-C1AB89D98C7E}" dt="2022-08-22T19:44:15.922" v="91" actId="20577"/>
+        <pc:sldMkLst>
+          <pc:docMk/>
+          <pc:sldMk cId="634519761" sldId="384"/>
+        </pc:sldMkLst>
+        <pc:spChg chg="mod">
+          <ac:chgData name="Jonathan Mah" userId="5261b2f2f3e51194" providerId="LiveId" clId="{8B08D110-2608-456E-A3D2-C1AB89D98C7E}" dt="2022-08-22T19:44:15.922" v="91" actId="20577"/>
+          <ac:spMkLst>
+            <pc:docMk/>
+            <pc:sldMk cId="634519761" sldId="384"/>
+            <ac:spMk id="3" creationId="{D712BDE3-5450-4B18-B90B-D71DD9D5BAC2}"/>
+          </ac:spMkLst>
+        </pc:spChg>
+      </pc:sldChg>
+      <pc:sldChg chg="addSp delSp modSp add del mod">
+        <pc:chgData name="Jonathan Mah" userId="5261b2f2f3e51194" providerId="LiveId" clId="{8B08D110-2608-456E-A3D2-C1AB89D98C7E}" dt="2022-08-22T20:10:20.758" v="282" actId="1076"/>
+        <pc:sldMkLst>
+          <pc:docMk/>
+          <pc:sldMk cId="3693227763" sldId="385"/>
+        </pc:sldMkLst>
+        <pc:spChg chg="mod">
+          <ac:chgData name="Jonathan Mah" userId="5261b2f2f3e51194" providerId="LiveId" clId="{8B08D110-2608-456E-A3D2-C1AB89D98C7E}" dt="2022-08-22T20:06:08.902" v="275" actId="1076"/>
+          <ac:spMkLst>
+            <pc:docMk/>
+            <pc:sldMk cId="3693227763" sldId="385"/>
+            <ac:spMk id="3" creationId="{7D1EA5D0-E5F6-82CE-2110-5232020FBBA2}"/>
+          </ac:spMkLst>
+        </pc:spChg>
+        <pc:spChg chg="add del mod">
+          <ac:chgData name="Jonathan Mah" userId="5261b2f2f3e51194" providerId="LiveId" clId="{8B08D110-2608-456E-A3D2-C1AB89D98C7E}" dt="2022-08-22T19:44:59.626" v="99" actId="931"/>
+          <ac:spMkLst>
+            <pc:docMk/>
+            <pc:sldMk cId="3693227763" sldId="385"/>
+            <ac:spMk id="6" creationId="{75967780-42EA-5A8F-D4C0-0A7EA8CB75DD}"/>
+          </ac:spMkLst>
+        </pc:spChg>
+        <pc:picChg chg="del">
+          <ac:chgData name="Jonathan Mah" userId="5261b2f2f3e51194" providerId="LiveId" clId="{8B08D110-2608-456E-A3D2-C1AB89D98C7E}" dt="2022-08-22T19:44:46.236" v="98" actId="478"/>
+          <ac:picMkLst>
+            <pc:docMk/>
+            <pc:sldMk cId="3693227763" sldId="385"/>
+            <ac:picMk id="5" creationId="{2488A0D0-4397-38A8-8098-761E376F1105}"/>
+          </ac:picMkLst>
+        </pc:picChg>
+        <pc:picChg chg="add mod">
+          <ac:chgData name="Jonathan Mah" userId="5261b2f2f3e51194" providerId="LiveId" clId="{8B08D110-2608-456E-A3D2-C1AB89D98C7E}" dt="2022-08-22T20:10:20.758" v="282" actId="1076"/>
+          <ac:picMkLst>
+            <pc:docMk/>
+            <pc:sldMk cId="3693227763" sldId="385"/>
+            <ac:picMk id="8" creationId="{DE67071A-EE8F-6A94-F457-16C6C27DF8C1}"/>
+          </ac:picMkLst>
+        </pc:picChg>
+        <pc:picChg chg="add del mod">
+          <ac:chgData name="Jonathan Mah" userId="5261b2f2f3e51194" providerId="LiveId" clId="{8B08D110-2608-456E-A3D2-C1AB89D98C7E}" dt="2022-08-22T20:07:25.595" v="281" actId="478"/>
+          <ac:picMkLst>
+            <pc:docMk/>
+            <pc:sldMk cId="3693227763" sldId="385"/>
+            <ac:picMk id="10" creationId="{E9F4859D-A849-2E10-8EB4-7248E85B1E8F}"/>
+          </ac:picMkLst>
+        </pc:picChg>
+      </pc:sldChg>
+      <pc:sldChg chg="addSp delSp modSp add mod">
+        <pc:chgData name="Jonathan Mah" userId="5261b2f2f3e51194" providerId="LiveId" clId="{8B08D110-2608-456E-A3D2-C1AB89D98C7E}" dt="2022-08-22T19:45:11.454" v="106" actId="962"/>
+        <pc:sldMkLst>
+          <pc:docMk/>
+          <pc:sldMk cId="2796031879" sldId="386"/>
+        </pc:sldMkLst>
+        <pc:spChg chg="add del mod">
+          <ac:chgData name="Jonathan Mah" userId="5261b2f2f3e51194" providerId="LiveId" clId="{8B08D110-2608-456E-A3D2-C1AB89D98C7E}" dt="2022-08-22T19:45:10.761" v="104" actId="931"/>
+          <ac:spMkLst>
+            <pc:docMk/>
+            <pc:sldMk cId="2796031879" sldId="386"/>
+            <ac:spMk id="4" creationId="{71B29880-63DB-7D56-3F36-18545428DF89}"/>
+          </ac:spMkLst>
+        </pc:spChg>
+        <pc:picChg chg="del">
+          <ac:chgData name="Jonathan Mah" userId="5261b2f2f3e51194" providerId="LiveId" clId="{8B08D110-2608-456E-A3D2-C1AB89D98C7E}" dt="2022-08-22T19:45:04.132" v="103" actId="478"/>
+          <ac:picMkLst>
+            <pc:docMk/>
+            <pc:sldMk cId="2796031879" sldId="386"/>
+            <ac:picMk id="5" creationId="{6BE5D954-3B4A-D5EC-60CF-83E2C9D6840A}"/>
+          </ac:picMkLst>
+        </pc:picChg>
+        <pc:picChg chg="add mod">
+          <ac:chgData name="Jonathan Mah" userId="5261b2f2f3e51194" providerId="LiveId" clId="{8B08D110-2608-456E-A3D2-C1AB89D98C7E}" dt="2022-08-22T19:45:11.454" v="106" actId="962"/>
+          <ac:picMkLst>
+            <pc:docMk/>
+            <pc:sldMk cId="2796031879" sldId="386"/>
+            <ac:picMk id="7" creationId="{05D68E4E-CFE9-1812-3F64-21767FD8CC05}"/>
+          </ac:picMkLst>
+        </pc:picChg>
+      </pc:sldChg>
+      <pc:sldChg chg="addSp delSp modSp add mod">
+        <pc:chgData name="Jonathan Mah" userId="5261b2f2f3e51194" providerId="LiveId" clId="{8B08D110-2608-456E-A3D2-C1AB89D98C7E}" dt="2022-08-22T19:45:50.207" v="114" actId="962"/>
+        <pc:sldMkLst>
+          <pc:docMk/>
+          <pc:sldMk cId="2067307387" sldId="387"/>
+        </pc:sldMkLst>
+        <pc:spChg chg="add del mod">
+          <ac:chgData name="Jonathan Mah" userId="5261b2f2f3e51194" providerId="LiveId" clId="{8B08D110-2608-456E-A3D2-C1AB89D98C7E}" dt="2022-08-22T19:45:49.616" v="112" actId="931"/>
+          <ac:spMkLst>
+            <pc:docMk/>
+            <pc:sldMk cId="2067307387" sldId="387"/>
+            <ac:spMk id="4" creationId="{A03716F9-66F5-446C-9609-C1306CE7EBBA}"/>
+          </ac:spMkLst>
+        </pc:spChg>
+        <pc:picChg chg="del">
+          <ac:chgData name="Jonathan Mah" userId="5261b2f2f3e51194" providerId="LiveId" clId="{8B08D110-2608-456E-A3D2-C1AB89D98C7E}" dt="2022-08-22T19:45:41.910" v="111" actId="478"/>
+          <ac:picMkLst>
+            <pc:docMk/>
+            <pc:sldMk cId="2067307387" sldId="387"/>
+            <ac:picMk id="5" creationId="{5D9B97FD-4105-677B-8846-BCD8B3A9AEE6}"/>
+          </ac:picMkLst>
+        </pc:picChg>
+        <pc:picChg chg="add mod">
+          <ac:chgData name="Jonathan Mah" userId="5261b2f2f3e51194" providerId="LiveId" clId="{8B08D110-2608-456E-A3D2-C1AB89D98C7E}" dt="2022-08-22T19:45:50.207" v="114" actId="962"/>
+          <ac:picMkLst>
+            <pc:docMk/>
+            <pc:sldMk cId="2067307387" sldId="387"/>
+            <ac:picMk id="7" creationId="{C2F341F1-FA66-15EC-5F72-70E58B96EA0A}"/>
+          </ac:picMkLst>
+        </pc:picChg>
+      </pc:sldChg>
+      <pc:sldChg chg="modSp add del mod">
+        <pc:chgData name="Jonathan Mah" userId="5261b2f2f3e51194" providerId="LiveId" clId="{8B08D110-2608-456E-A3D2-C1AB89D98C7E}" dt="2022-08-22T20:04:36.657" v="230" actId="47"/>
+        <pc:sldMkLst>
+          <pc:docMk/>
+          <pc:sldMk cId="1021869654" sldId="388"/>
+        </pc:sldMkLst>
+        <pc:spChg chg="mod">
+          <ac:chgData name="Jonathan Mah" userId="5261b2f2f3e51194" providerId="LiveId" clId="{8B08D110-2608-456E-A3D2-C1AB89D98C7E}" dt="2022-08-22T19:47:30.201" v="127" actId="20577"/>
+          <ac:spMkLst>
+            <pc:docMk/>
+            <pc:sldMk cId="1021869654" sldId="388"/>
+            <ac:spMk id="2" creationId="{0FD59ED8-51AC-6E92-D869-0B1D7427D4A7}"/>
+          </ac:spMkLst>
+        </pc:spChg>
+      </pc:sldChg>
+      <pc:sldChg chg="add del">
+        <pc:chgData name="Jonathan Mah" userId="5261b2f2f3e51194" providerId="LiveId" clId="{8B08D110-2608-456E-A3D2-C1AB89D98C7E}" dt="2022-08-22T19:48:08.877" v="129" actId="47"/>
+        <pc:sldMkLst>
+          <pc:docMk/>
+          <pc:sldMk cId="4216654546" sldId="389"/>
+        </pc:sldMkLst>
+      </pc:sldChg>
+      <pc:sldChg chg="add del">
+        <pc:chgData name="Jonathan Mah" userId="5261b2f2f3e51194" providerId="LiveId" clId="{8B08D110-2608-456E-A3D2-C1AB89D98C7E}" dt="2022-08-22T20:10:35.648" v="283" actId="47"/>
+        <pc:sldMkLst>
+          <pc:docMk/>
+          <pc:sldMk cId="2667789460" sldId="390"/>
+        </pc:sldMkLst>
+      </pc:sldChg>
+      <pc:sldChg chg="add del">
+        <pc:chgData name="Jonathan Mah" userId="5261b2f2f3e51194" providerId="LiveId" clId="{8B08D110-2608-456E-A3D2-C1AB89D98C7E}" dt="2022-08-22T20:10:39.395" v="284" actId="47"/>
+        <pc:sldMkLst>
+          <pc:docMk/>
+          <pc:sldMk cId="3069682273" sldId="391"/>
+        </pc:sldMkLst>
+      </pc:sldChg>
+      <pc:sldChg chg="add">
+        <pc:chgData name="Jonathan Mah" userId="5261b2f2f3e51194" providerId="LiveId" clId="{8B08D110-2608-456E-A3D2-C1AB89D98C7E}" dt="2022-08-22T19:43:50.655" v="76"/>
+        <pc:sldMkLst>
+          <pc:docMk/>
+          <pc:sldMk cId="397584440" sldId="392"/>
+        </pc:sldMkLst>
+      </pc:sldChg>
+      <pc:sldChg chg="add">
+        <pc:chgData name="Jonathan Mah" userId="5261b2f2f3e51194" providerId="LiveId" clId="{8B08D110-2608-456E-A3D2-C1AB89D98C7E}" dt="2022-08-22T19:43:50.655" v="76"/>
+        <pc:sldMkLst>
+          <pc:docMk/>
+          <pc:sldMk cId="2897469236" sldId="393"/>
+        </pc:sldMkLst>
+      </pc:sldChg>
+      <pc:sldChg chg="addSp delSp modSp add mod ord">
+        <pc:chgData name="Jonathan Mah" userId="5261b2f2f3e51194" providerId="LiveId" clId="{8B08D110-2608-456E-A3D2-C1AB89D98C7E}" dt="2022-08-22T20:02:32.728" v="180" actId="1076"/>
+        <pc:sldMkLst>
+          <pc:docMk/>
+          <pc:sldMk cId="1943336172" sldId="394"/>
+        </pc:sldMkLst>
+        <pc:spChg chg="add del">
+          <ac:chgData name="Jonathan Mah" userId="5261b2f2f3e51194" providerId="LiveId" clId="{8B08D110-2608-456E-A3D2-C1AB89D98C7E}" dt="2022-08-22T20:02:16.104" v="173"/>
+          <ac:spMkLst>
+            <pc:docMk/>
+            <pc:sldMk cId="1943336172" sldId="394"/>
+            <ac:spMk id="2" creationId="{FE594A43-F16D-8A88-77B7-0DCAA572EFBF}"/>
+          </ac:spMkLst>
+        </pc:spChg>
+        <pc:picChg chg="add mod modCrop">
+          <ac:chgData name="Jonathan Mah" userId="5261b2f2f3e51194" providerId="LiveId" clId="{8B08D110-2608-456E-A3D2-C1AB89D98C7E}" dt="2022-08-22T20:02:29.303" v="178" actId="1076"/>
+          <ac:picMkLst>
+            <pc:docMk/>
+            <pc:sldMk cId="1943336172" sldId="394"/>
+            <ac:picMk id="3" creationId="{A974BB68-7CCC-D261-D861-69885A175010}"/>
+          </ac:picMkLst>
+        </pc:picChg>
+        <pc:picChg chg="del">
+          <ac:chgData name="Jonathan Mah" userId="5261b2f2f3e51194" providerId="LiveId" clId="{8B08D110-2608-456E-A3D2-C1AB89D98C7E}" dt="2022-08-22T19:56:41.995" v="171" actId="478"/>
+          <ac:picMkLst>
+            <pc:docMk/>
+            <pc:sldMk cId="1943336172" sldId="394"/>
+            <ac:picMk id="4" creationId="{42490D99-289B-6205-59AF-EFADCBB9B53E}"/>
+          </ac:picMkLst>
+        </pc:picChg>
+        <pc:picChg chg="mod">
+          <ac:chgData name="Jonathan Mah" userId="5261b2f2f3e51194" providerId="LiveId" clId="{8B08D110-2608-456E-A3D2-C1AB89D98C7E}" dt="2022-08-22T20:02:32.728" v="180" actId="1076"/>
+          <ac:picMkLst>
+            <pc:docMk/>
+            <pc:sldMk cId="1943336172" sldId="394"/>
+            <ac:picMk id="6" creationId="{494A66E8-7536-E6BB-9EEA-60C14DEFD1D0}"/>
+          </ac:picMkLst>
+        </pc:picChg>
       </pc:sldChg>
     </pc:docChg>
   </pc:docChgLst>
@@ -3843,7 +4461,7 @@
                 <a:latin typeface="Yu Gothic" panose="020B0400000000000000" pitchFamily="34" charset="-128"/>
                 <a:ea typeface="Yu Gothic" panose="020B0400000000000000" pitchFamily="34" charset="-128"/>
               </a:rPr>
-              <a:t>20220815</a:t>
+              <a:t>20220822</a:t>
             </a:r>
           </a:p>
           <a:p>
@@ -3881,7 +4499,7 @@
     </p:spTree>
     <p:extLst>
       <p:ext uri="{BB962C8B-B14F-4D97-AF65-F5344CB8AC3E}">
-        <p14:creationId xmlns:p14="http://schemas.microsoft.com/office/powerpoint/2010/main" val="1442538198"/>
+        <p14:creationId xmlns:p14="http://schemas.microsoft.com/office/powerpoint/2010/main" val="634519761"/>
       </p:ext>
     </p:extLst>
   </p:cSld>
@@ -3931,11 +4549,11 @@
           <a:p>
             <a:r>
               <a:rPr lang="en-US" dirty="0"/>
-              <a:t>P. </a:t>
+              <a:t>B. </a:t>
             </a:r>
             <a:r>
               <a:rPr lang="en-US" dirty="0" err="1"/>
-              <a:t>distasonis</a:t>
+              <a:t>intestinihominis</a:t>
             </a:r>
             <a:endParaRPr lang="en-US" dirty="0"/>
           </a:p>
@@ -3943,10 +4561,10 @@
       </p:sp>
       <p:pic>
         <p:nvPicPr>
-          <p:cNvPr id="5" name="Content Placeholder 4" descr="Chart, histogram&#10;&#10;Description automatically generated">
-            <a:extLst>
-              <a:ext uri="{FF2B5EF4-FFF2-40B4-BE49-F238E27FC236}">
-                <a16:creationId xmlns:a16="http://schemas.microsoft.com/office/drawing/2014/main" id="{465E2E29-D0FF-EF1E-4A7E-5E8771D57498}"/>
+          <p:cNvPr id="7" name="Content Placeholder 6" descr="Chart, histogram&#10;&#10;Description automatically generated">
+            <a:extLst>
+              <a:ext uri="{FF2B5EF4-FFF2-40B4-BE49-F238E27FC236}">
+                <a16:creationId xmlns:a16="http://schemas.microsoft.com/office/drawing/2014/main" id="{D5DD75FE-2AF6-4C43-7EC1-D817AACF6D77}"/>
               </a:ext>
             </a:extLst>
           </p:cNvPr>
@@ -3979,7 +4597,7 @@
     </p:spTree>
     <p:extLst>
       <p:ext uri="{BB962C8B-B14F-4D97-AF65-F5344CB8AC3E}">
-        <p14:creationId xmlns:p14="http://schemas.microsoft.com/office/powerpoint/2010/main" val="1930837532"/>
+        <p14:creationId xmlns:p14="http://schemas.microsoft.com/office/powerpoint/2010/main" val="777973639"/>
       </p:ext>
     </p:extLst>
   </p:cSld>
@@ -4011,7 +4629,7 @@
           <p:cNvPr id="2" name="Title 1">
             <a:extLst>
               <a:ext uri="{FF2B5EF4-FFF2-40B4-BE49-F238E27FC236}">
-                <a16:creationId xmlns:a16="http://schemas.microsoft.com/office/drawing/2014/main" id="{0FD59ED8-51AC-6E92-D869-0B1D7427D4A7}"/>
+                <a16:creationId xmlns:a16="http://schemas.microsoft.com/office/drawing/2014/main" id="{DDECB1F4-193F-9752-CBCE-13D62BD690F0}"/>
               </a:ext>
             </a:extLst>
           </p:cNvPr>
@@ -4029,17 +4647,22 @@
           <a:p>
             <a:r>
               <a:rPr lang="en-US" dirty="0"/>
-              <a:t>Pi (slightly old)</a:t>
-            </a:r>
+              <a:t>P. </a:t>
+            </a:r>
+            <a:r>
+              <a:rPr lang="en-US" dirty="0" err="1"/>
+              <a:t>distasonis</a:t>
+            </a:r>
+            <a:endParaRPr lang="en-US" dirty="0"/>
           </a:p>
         </p:txBody>
       </p:sp>
       <p:pic>
         <p:nvPicPr>
-          <p:cNvPr id="6" name="Content Placeholder 5">
-            <a:extLst>
-              <a:ext uri="{FF2B5EF4-FFF2-40B4-BE49-F238E27FC236}">
-                <a16:creationId xmlns:a16="http://schemas.microsoft.com/office/drawing/2014/main" id="{D4C3C594-4681-C594-49AC-A33E3D3120F3}"/>
+          <p:cNvPr id="7" name="Content Placeholder 6" descr="Chart, histogram&#10;&#10;Description automatically generated">
+            <a:extLst>
+              <a:ext uri="{FF2B5EF4-FFF2-40B4-BE49-F238E27FC236}">
+                <a16:creationId xmlns:a16="http://schemas.microsoft.com/office/drawing/2014/main" id="{D364EA9B-8CC2-D387-172D-7EFC309EB203}"/>
               </a:ext>
             </a:extLst>
           </p:cNvPr>
@@ -4051,25 +4674,28 @@
           </p:nvPr>
         </p:nvPicPr>
         <p:blipFill>
-          <a:blip r:embed="rId2"/>
+          <a:blip r:embed="rId2">
+            <a:extLst>
+              <a:ext uri="{28A0092B-C50C-407E-A947-70E740481C1C}">
+                <a14:useLocalDpi xmlns:a14="http://schemas.microsoft.com/office/drawing/2010/main" val="0"/>
+              </a:ext>
+            </a:extLst>
+          </a:blip>
           <a:stretch>
             <a:fillRect/>
           </a:stretch>
         </p:blipFill>
         <p:spPr>
           <a:xfrm>
-            <a:off x="2696517" y="1825625"/>
-            <a:ext cx="6798965" cy="4351338"/>
+            <a:off x="3195108" y="1825625"/>
+            <a:ext cx="5801784" cy="4351338"/>
           </a:xfrm>
-          <a:prstGeom prst="rect">
-            <a:avLst/>
-          </a:prstGeom>
         </p:spPr>
       </p:pic>
     </p:spTree>
     <p:extLst>
       <p:ext uri="{BB962C8B-B14F-4D97-AF65-F5344CB8AC3E}">
-        <p14:creationId xmlns:p14="http://schemas.microsoft.com/office/powerpoint/2010/main" val="2960659961"/>
+        <p14:creationId xmlns:p14="http://schemas.microsoft.com/office/powerpoint/2010/main" val="1930837532"/>
       </p:ext>
     </p:extLst>
   </p:cSld>
@@ -4101,7 +4727,7 @@
           <p:cNvPr id="2" name="Title 1">
             <a:extLst>
               <a:ext uri="{FF2B5EF4-FFF2-40B4-BE49-F238E27FC236}">
-                <a16:creationId xmlns:a16="http://schemas.microsoft.com/office/drawing/2014/main" id="{0FD59ED8-51AC-6E92-D869-0B1D7427D4A7}"/>
+                <a16:creationId xmlns:a16="http://schemas.microsoft.com/office/drawing/2014/main" id="{A602EA1E-DA58-BED5-FDEE-69838F68237F}"/>
               </a:ext>
             </a:extLst>
           </p:cNvPr>
@@ -4118,178 +4744,101 @@
           <a:lstStyle/>
           <a:p>
             <a:r>
+              <a:rPr lang="en-US" dirty="0" err="1"/>
+              <a:t>Todo</a:t>
+            </a:r>
+            <a:r>
               <a:rPr lang="en-US" dirty="0"/>
-              <a:t>Pi (Ethiopian data removed, account for time point)</a:t>
-            </a:r>
-          </a:p>
-        </p:txBody>
-      </p:sp>
-      <p:pic>
-        <p:nvPicPr>
-          <p:cNvPr id="7" name="Content Placeholder 6">
-            <a:extLst>
-              <a:ext uri="{FF2B5EF4-FFF2-40B4-BE49-F238E27FC236}">
-                <a16:creationId xmlns:a16="http://schemas.microsoft.com/office/drawing/2014/main" id="{D4B5F1AA-5A89-CE2B-60FC-607CEBDC83A0}"/>
-              </a:ext>
-            </a:extLst>
-          </p:cNvPr>
-          <p:cNvPicPr>
-            <a:picLocks noGrp="1" noChangeAspect="1"/>
-          </p:cNvPicPr>
+              <a:t> 20220815</a:t>
+            </a:r>
+          </a:p>
+        </p:txBody>
+      </p:sp>
+      <p:sp>
+        <p:nvSpPr>
+          <p:cNvPr id="3" name="Content Placeholder 2">
+            <a:extLst>
+              <a:ext uri="{FF2B5EF4-FFF2-40B4-BE49-F238E27FC236}">
+                <a16:creationId xmlns:a16="http://schemas.microsoft.com/office/drawing/2014/main" id="{1747A062-6D09-3F49-9719-9EC1D1335A5B}"/>
+              </a:ext>
+            </a:extLst>
+          </p:cNvPr>
+          <p:cNvSpPr>
+            <a:spLocks noGrp="1"/>
+          </p:cNvSpPr>
           <p:nvPr>
             <p:ph idx="1"/>
           </p:nvPr>
-        </p:nvPicPr>
-        <p:blipFill>
-          <a:blip r:embed="rId2"/>
-          <a:stretch>
-            <a:fillRect/>
-          </a:stretch>
-        </p:blipFill>
-        <p:spPr>
-          <a:xfrm>
-            <a:off x="2106787" y="1825625"/>
-            <a:ext cx="7978426" cy="4351338"/>
-          </a:xfrm>
-          <a:prstGeom prst="rect">
-            <a:avLst/>
-          </a:prstGeom>
-        </p:spPr>
-      </p:pic>
-      <p:sp>
-        <p:nvSpPr>
-          <p:cNvPr id="8" name="TextBox 7">
-            <a:extLst>
-              <a:ext uri="{FF2B5EF4-FFF2-40B4-BE49-F238E27FC236}">
-                <a16:creationId xmlns:a16="http://schemas.microsoft.com/office/drawing/2014/main" id="{3D140189-6A3E-767C-6463-55B5C0154432}"/>
-              </a:ext>
-            </a:extLst>
-          </p:cNvPr>
-          <p:cNvSpPr txBox="1"/>
-          <p:nvPr/>
-        </p:nvSpPr>
-        <p:spPr>
-          <a:xfrm>
-            <a:off x="10085213" y="1690688"/>
-            <a:ext cx="1498231" cy="1169551"/>
-          </a:xfrm>
-          <a:prstGeom prst="rect">
-            <a:avLst/>
-          </a:prstGeom>
-          <a:noFill/>
-        </p:spPr>
-        <p:txBody>
-          <a:bodyPr wrap="none" rtlCol="0">
-            <a:spAutoFit/>
-          </a:bodyPr>
-          <a:lstStyle/>
-          <a:p>
-            <a:r>
-              <a:rPr lang="en-US" sz="1400" dirty="0"/>
-              <a:t>I’ve not done this,</a:t>
-            </a:r>
-          </a:p>
-          <a:p>
-            <a:r>
-              <a:rPr lang="en-US" sz="1400" dirty="0"/>
-              <a:t>But pi can also be</a:t>
-            </a:r>
-          </a:p>
-          <a:p>
-            <a:r>
-              <a:rPr lang="en-US" sz="1400" dirty="0"/>
-              <a:t>Computed using</a:t>
-            </a:r>
-          </a:p>
-          <a:p>
-            <a:r>
-              <a:rPr lang="en-US" sz="1400" dirty="0"/>
-              <a:t>The “</a:t>
-            </a:r>
-            <a:r>
-              <a:rPr lang="en-US" sz="1400" dirty="0" err="1"/>
-              <a:t>Shloessnig</a:t>
-            </a:r>
-            <a:r>
-              <a:rPr lang="en-US" sz="1400" dirty="0"/>
-              <a:t>”</a:t>
-            </a:r>
-          </a:p>
-          <a:p>
-            <a:r>
-              <a:rPr lang="en-US" sz="1400" dirty="0"/>
-              <a:t>method</a:t>
-            </a:r>
-          </a:p>
-        </p:txBody>
-      </p:sp>
-      <p:sp>
-        <p:nvSpPr>
-          <p:cNvPr id="10" name="TextBox 9">
-            <a:extLst>
-              <a:ext uri="{FF2B5EF4-FFF2-40B4-BE49-F238E27FC236}">
-                <a16:creationId xmlns:a16="http://schemas.microsoft.com/office/drawing/2014/main" id="{70B3AE50-F2D4-7D36-9B61-D51486A52C19}"/>
-              </a:ext>
-            </a:extLst>
-          </p:cNvPr>
-          <p:cNvSpPr txBox="1"/>
-          <p:nvPr/>
-        </p:nvSpPr>
-        <p:spPr>
-          <a:xfrm>
-            <a:off x="10085213" y="2787928"/>
-            <a:ext cx="2256196" cy="3108543"/>
-          </a:xfrm>
-          <a:prstGeom prst="rect">
-            <a:avLst/>
-          </a:prstGeom>
-          <a:noFill/>
-        </p:spPr>
-        <p:txBody>
-          <a:bodyPr wrap="square">
-            <a:spAutoFit/>
-          </a:bodyPr>
-          <a:lstStyle/>
-          <a:p>
-            <a:r>
-              <a:rPr lang="en-US" sz="1400" dirty="0"/>
-              <a:t>Order species by diamond ala Nayfach</a:t>
-            </a:r>
-          </a:p>
-          <a:p>
-            <a:endParaRPr lang="en-US" sz="1400" dirty="0"/>
-          </a:p>
-          <a:p>
-            <a:r>
-              <a:rPr lang="en-US" sz="1400" dirty="0"/>
-              <a:t>Pick species (not counting for time point) &gt;= 5 hosts for both cohorts, i.e., total &gt;= 10 hosts</a:t>
-            </a:r>
-          </a:p>
-          <a:p>
-            <a:endParaRPr lang="en-US" sz="1400" dirty="0"/>
-          </a:p>
-          <a:p>
-            <a:r>
-              <a:rPr lang="en-US" sz="1400" dirty="0"/>
-              <a:t>5 or other number depending</a:t>
-            </a:r>
-          </a:p>
-          <a:p>
-            <a:endParaRPr lang="en-US" sz="1400" dirty="0"/>
-          </a:p>
-          <a:p>
-            <a:r>
-              <a:rPr lang="en-US" sz="1400" dirty="0"/>
-              <a:t>Order by blue diamonds</a:t>
-            </a:r>
-          </a:p>
-          <a:p>
-            <a:endParaRPr lang="en-US" sz="1400" dirty="0"/>
-          </a:p>
-          <a:p>
-            <a:r>
-              <a:rPr lang="en-US" sz="1400" dirty="0"/>
-              <a:t>Remove title</a:t>
+        </p:nvSpPr>
+        <p:spPr/>
+        <p:txBody>
+          <a:bodyPr/>
+          <a:lstStyle/>
+          <a:p>
+            <a:r>
+              <a:rPr lang="en-US" dirty="0"/>
+              <a:t>Write in greater detail about nucleotide diversity figure</a:t>
+            </a:r>
+          </a:p>
+          <a:p>
+            <a:pPr lvl="1"/>
+            <a:r>
+              <a:rPr lang="en-US" dirty="0"/>
+              <a:t>Read through:</a:t>
+            </a:r>
+          </a:p>
+          <a:p>
+            <a:pPr lvl="2"/>
+            <a:r>
+              <a:rPr lang="en-US" dirty="0"/>
+              <a:t>Suzuki 2021</a:t>
+            </a:r>
+          </a:p>
+          <a:p>
+            <a:pPr lvl="2"/>
+            <a:r>
+              <a:rPr lang="en-US" dirty="0"/>
+              <a:t>Spencer 2022</a:t>
+            </a:r>
+          </a:p>
+          <a:p>
+            <a:pPr lvl="2"/>
+            <a:r>
+              <a:rPr lang="en-US" dirty="0" err="1"/>
+              <a:t>Tamburini</a:t>
+            </a:r>
+            <a:endParaRPr lang="en-US" dirty="0"/>
+          </a:p>
+          <a:p>
+            <a:pPr lvl="2"/>
+            <a:r>
+              <a:rPr lang="en-US" dirty="0" err="1"/>
+              <a:t>Orsted</a:t>
+            </a:r>
+            <a:r>
+              <a:rPr lang="en-US" dirty="0"/>
+              <a:t> 2022</a:t>
+            </a:r>
+          </a:p>
+          <a:p>
+            <a:pPr lvl="1"/>
+            <a:r>
+              <a:rPr lang="en-US" dirty="0"/>
+              <a:t>What does pi mean at different magnitudes? 10e-2 vs. 10e-4</a:t>
+            </a:r>
+          </a:p>
+          <a:p>
+            <a:pPr lvl="2"/>
+            <a:r>
+              <a:rPr lang="en-US" dirty="0"/>
+              <a:t>10e-2 might suggest differences between strains</a:t>
+            </a:r>
+          </a:p>
+          <a:p>
+            <a:pPr lvl="2"/>
+            <a:r>
+              <a:rPr lang="en-US" dirty="0"/>
+              <a:t>10e-4</a:t>
             </a:r>
           </a:p>
         </p:txBody>
@@ -4297,7 +4846,7 @@
     </p:spTree>
     <p:extLst>
       <p:ext uri="{BB962C8B-B14F-4D97-AF65-F5344CB8AC3E}">
-        <p14:creationId xmlns:p14="http://schemas.microsoft.com/office/powerpoint/2010/main" val="2015771658"/>
+        <p14:creationId xmlns:p14="http://schemas.microsoft.com/office/powerpoint/2010/main" val="397584440"/>
       </p:ext>
     </p:extLst>
   </p:cSld>
@@ -4329,7 +4878,7 @@
           <p:cNvPr id="2" name="Title 1">
             <a:extLst>
               <a:ext uri="{FF2B5EF4-FFF2-40B4-BE49-F238E27FC236}">
-                <a16:creationId xmlns:a16="http://schemas.microsoft.com/office/drawing/2014/main" id="{0FD59ED8-51AC-6E92-D869-0B1D7427D4A7}"/>
+                <a16:creationId xmlns:a16="http://schemas.microsoft.com/office/drawing/2014/main" id="{A602EA1E-DA58-BED5-FDEE-69838F68237F}"/>
               </a:ext>
             </a:extLst>
           </p:cNvPr>
@@ -4347,907 +4896,102 @@
           <a:p>
             <a:r>
               <a:rPr lang="en-US" dirty="0"/>
-              <a:t>B. Thetaiotaomicron with negative selection</a:t>
-            </a:r>
-          </a:p>
-        </p:txBody>
-      </p:sp>
-      <p:pic>
-        <p:nvPicPr>
-          <p:cNvPr id="5" name="Content Placeholder 4" descr="Chart, bar chart&#10;&#10;Description automatically generated">
-            <a:extLst>
-              <a:ext uri="{FF2B5EF4-FFF2-40B4-BE49-F238E27FC236}">
-                <a16:creationId xmlns:a16="http://schemas.microsoft.com/office/drawing/2014/main" id="{926A0106-E18A-A3B6-D16F-4ACE94C8FFDB}"/>
-              </a:ext>
-            </a:extLst>
-          </p:cNvPr>
-          <p:cNvPicPr>
-            <a:picLocks noGrp="1" noChangeAspect="1"/>
-          </p:cNvPicPr>
+              <a:t>TODO 20220815</a:t>
+            </a:r>
+          </a:p>
+        </p:txBody>
+      </p:sp>
+      <p:sp>
+        <p:nvSpPr>
+          <p:cNvPr id="3" name="Content Placeholder 2">
+            <a:extLst>
+              <a:ext uri="{FF2B5EF4-FFF2-40B4-BE49-F238E27FC236}">
+                <a16:creationId xmlns:a16="http://schemas.microsoft.com/office/drawing/2014/main" id="{1747A062-6D09-3F49-9719-9EC1D1335A5B}"/>
+              </a:ext>
+            </a:extLst>
+          </p:cNvPr>
+          <p:cNvSpPr>
+            <a:spLocks noGrp="1"/>
+          </p:cNvSpPr>
           <p:nvPr>
             <p:ph idx="1"/>
           </p:nvPr>
-        </p:nvPicPr>
-        <p:blipFill>
-          <a:blip r:embed="rId2">
-            <a:extLst>
-              <a:ext uri="{28A0092B-C50C-407E-A947-70E740481C1C}">
-                <a14:useLocalDpi xmlns:a14="http://schemas.microsoft.com/office/drawing/2010/main" val="0"/>
-              </a:ext>
-            </a:extLst>
-          </a:blip>
-          <a:stretch>
-            <a:fillRect/>
-          </a:stretch>
-        </p:blipFill>
-        <p:spPr>
-          <a:xfrm>
-            <a:off x="337624" y="1257521"/>
-            <a:ext cx="8362834" cy="5351093"/>
-          </a:xfrm>
-        </p:spPr>
-      </p:pic>
+        </p:nvSpPr>
+        <p:spPr/>
+        <p:txBody>
+          <a:bodyPr/>
+          <a:lstStyle/>
+          <a:p>
+            <a:r>
+              <a:rPr lang="en-US" dirty="0"/>
+              <a:t>Fix species script for oral data</a:t>
+            </a:r>
+          </a:p>
+          <a:p>
+            <a:r>
+              <a:rPr lang="en-US" dirty="0"/>
+              <a:t>SFSs for supplement + main text (B. </a:t>
+            </a:r>
+            <a:r>
+              <a:rPr lang="en-US" dirty="0" err="1"/>
+              <a:t>intestinihominis</a:t>
+            </a:r>
+            <a:r>
+              <a:rPr lang="en-US" dirty="0"/>
+              <a:t>)</a:t>
+            </a:r>
+          </a:p>
+          <a:p>
+            <a:r>
+              <a:rPr lang="en-US" dirty="0"/>
+              <a:t>Likelihood search + expanded plotting</a:t>
+            </a:r>
+          </a:p>
+          <a:p>
+            <a:pPr lvl="1"/>
+            <a:r>
+              <a:rPr lang="en-US" dirty="0"/>
+              <a:t>Look for better SFS fit</a:t>
+            </a:r>
+          </a:p>
+          <a:p>
+            <a:r>
+              <a:rPr lang="en-US" dirty="0"/>
+              <a:t>Pi chart set to IID</a:t>
+            </a:r>
+          </a:p>
+          <a:p>
+            <a:r>
+              <a:rPr lang="en-US" dirty="0"/>
+              <a:t>Hit up Kirk for the LL </a:t>
+            </a:r>
+            <a:r>
+              <a:rPr lang="en-US" dirty="0" err="1"/>
+              <a:t>deets</a:t>
+            </a:r>
+            <a:endParaRPr lang="en-US" dirty="0"/>
+          </a:p>
+          <a:p>
+            <a:pPr lvl="1"/>
+            <a:r>
+              <a:rPr lang="en-US" dirty="0"/>
+              <a:t>Bounce off </a:t>
+            </a:r>
+            <a:r>
+              <a:rPr lang="en-US" dirty="0" err="1"/>
+              <a:t>microb</a:t>
+            </a:r>
+            <a:r>
+              <a:rPr lang="en-US" dirty="0"/>
+              <a:t> stuff to make sure I don’t talk to myself too much</a:t>
+            </a:r>
+          </a:p>
+        </p:txBody>
+      </p:sp>
     </p:spTree>
     <p:extLst>
       <p:ext uri="{BB962C8B-B14F-4D97-AF65-F5344CB8AC3E}">
-        <p14:creationId xmlns:p14="http://schemas.microsoft.com/office/powerpoint/2010/main" val="3936373806"/>
-      </p:ext>
-    </p:extLst>
-  </p:cSld>
-  <p:clrMapOvr>
-    <a:masterClrMapping/>
-  </p:clrMapOvr>
-</p:sld>
-</file>
-
-<file path=ppt/slides/slide14.xml><?xml version="1.0" encoding="utf-8"?>
-<p:sld xmlns:a="http://schemas.openxmlformats.org/drawingml/2006/main" xmlns:r="http://schemas.openxmlformats.org/officeDocument/2006/relationships" xmlns:p="http://schemas.openxmlformats.org/presentationml/2006/main">
-  <p:cSld>
-    <p:spTree>
-      <p:nvGrpSpPr>
-        <p:cNvPr id="1" name=""/>
-        <p:cNvGrpSpPr/>
-        <p:nvPr/>
-      </p:nvGrpSpPr>
-      <p:grpSpPr>
-        <a:xfrm>
-          <a:off x="0" y="0"/>
-          <a:ext cx="0" cy="0"/>
-          <a:chOff x="0" y="0"/>
-          <a:chExt cx="0" cy="0"/>
-        </a:xfrm>
-      </p:grpSpPr>
-      <p:sp>
-        <p:nvSpPr>
-          <p:cNvPr id="2" name="Title 1">
-            <a:extLst>
-              <a:ext uri="{FF2B5EF4-FFF2-40B4-BE49-F238E27FC236}">
-                <a16:creationId xmlns:a16="http://schemas.microsoft.com/office/drawing/2014/main" id="{0FD59ED8-51AC-6E92-D869-0B1D7427D4A7}"/>
-              </a:ext>
-            </a:extLst>
-          </p:cNvPr>
-          <p:cNvSpPr>
-            <a:spLocks noGrp="1"/>
-          </p:cNvSpPr>
-          <p:nvPr>
-            <p:ph type="title"/>
-          </p:nvPr>
-        </p:nvSpPr>
-        <p:spPr/>
-        <p:txBody>
-          <a:bodyPr/>
-          <a:lstStyle/>
-          <a:p>
-            <a:r>
-              <a:rPr lang="en-US" dirty="0"/>
-              <a:t>MIDAS Oral</a:t>
-            </a:r>
-          </a:p>
-        </p:txBody>
-      </p:sp>
-      <p:sp>
-        <p:nvSpPr>
-          <p:cNvPr id="3" name="Content Placeholder 2">
-            <a:extLst>
-              <a:ext uri="{FF2B5EF4-FFF2-40B4-BE49-F238E27FC236}">
-                <a16:creationId xmlns:a16="http://schemas.microsoft.com/office/drawing/2014/main" id="{BB4FC36F-5D40-EB30-6494-2A8923B3B071}"/>
-              </a:ext>
-            </a:extLst>
-          </p:cNvPr>
-          <p:cNvSpPr>
-            <a:spLocks noGrp="1"/>
-          </p:cNvSpPr>
-          <p:nvPr>
-            <p:ph idx="1"/>
-          </p:nvPr>
-        </p:nvSpPr>
-        <p:spPr/>
-        <p:txBody>
-          <a:bodyPr/>
-          <a:lstStyle/>
-          <a:p>
-            <a:r>
-              <a:rPr lang="en-US" dirty="0"/>
-              <a:t>Species_profile.txt = 339/339</a:t>
-            </a:r>
-          </a:p>
-          <a:p>
-            <a:r>
-              <a:rPr lang="en-US" dirty="0"/>
-              <a:t>Species union step finished for 186 people (339 unique time x host points)</a:t>
-            </a:r>
-          </a:p>
-          <a:p>
-            <a:r>
-              <a:rPr lang="en-US" dirty="0" err="1"/>
-              <a:t>Snps</a:t>
-            </a:r>
-            <a:r>
-              <a:rPr lang="en-US" dirty="0"/>
-              <a:t> step = 320/339 hosts</a:t>
-            </a:r>
-          </a:p>
-          <a:p>
-            <a:r>
-              <a:rPr lang="en-US" dirty="0"/>
-              <a:t>Genes step = 324/339 hosts</a:t>
-            </a:r>
-          </a:p>
-        </p:txBody>
-      </p:sp>
-    </p:spTree>
-    <p:extLst>
-      <p:ext uri="{BB962C8B-B14F-4D97-AF65-F5344CB8AC3E}">
-        <p14:creationId xmlns:p14="http://schemas.microsoft.com/office/powerpoint/2010/main" val="1931460690"/>
-      </p:ext>
-    </p:extLst>
-  </p:cSld>
-  <p:clrMapOvr>
-    <a:masterClrMapping/>
-  </p:clrMapOvr>
-</p:sld>
-</file>
-
-<file path=ppt/slides/slide15.xml><?xml version="1.0" encoding="utf-8"?>
-<p:sld xmlns:a="http://schemas.openxmlformats.org/drawingml/2006/main" xmlns:r="http://schemas.openxmlformats.org/officeDocument/2006/relationships" xmlns:p="http://schemas.openxmlformats.org/presentationml/2006/main">
-  <p:cSld>
-    <p:spTree>
-      <p:nvGrpSpPr>
-        <p:cNvPr id="1" name=""/>
-        <p:cNvGrpSpPr/>
-        <p:nvPr/>
-      </p:nvGrpSpPr>
-      <p:grpSpPr>
-        <a:xfrm>
-          <a:off x="0" y="0"/>
-          <a:ext cx="0" cy="0"/>
-          <a:chOff x="0" y="0"/>
-          <a:chExt cx="0" cy="0"/>
-        </a:xfrm>
-      </p:grpSpPr>
-      <p:sp>
-        <p:nvSpPr>
-          <p:cNvPr id="2" name="Title 1">
-            <a:extLst>
-              <a:ext uri="{FF2B5EF4-FFF2-40B4-BE49-F238E27FC236}">
-                <a16:creationId xmlns:a16="http://schemas.microsoft.com/office/drawing/2014/main" id="{82A13C69-9960-AE20-E607-565A44A96D2D}"/>
-              </a:ext>
-            </a:extLst>
-          </p:cNvPr>
-          <p:cNvSpPr>
-            <a:spLocks noGrp="1"/>
-          </p:cNvSpPr>
-          <p:nvPr>
-            <p:ph type="title"/>
-          </p:nvPr>
-        </p:nvSpPr>
-        <p:spPr/>
-        <p:txBody>
-          <a:bodyPr/>
-          <a:lstStyle/>
-          <a:p>
-            <a:r>
-              <a:rPr lang="en-US" dirty="0"/>
-              <a:t>TODO</a:t>
-            </a:r>
-          </a:p>
-        </p:txBody>
-      </p:sp>
-      <p:sp>
-        <p:nvSpPr>
-          <p:cNvPr id="3" name="Content Placeholder 2">
-            <a:extLst>
-              <a:ext uri="{FF2B5EF4-FFF2-40B4-BE49-F238E27FC236}">
-                <a16:creationId xmlns:a16="http://schemas.microsoft.com/office/drawing/2014/main" id="{F1424677-5EFD-6620-B214-60823D25C5F2}"/>
-              </a:ext>
-            </a:extLst>
-          </p:cNvPr>
-          <p:cNvSpPr>
-            <a:spLocks noGrp="1"/>
-          </p:cNvSpPr>
-          <p:nvPr>
-            <p:ph idx="1"/>
-          </p:nvPr>
-        </p:nvSpPr>
-        <p:spPr/>
-        <p:txBody>
-          <a:bodyPr>
-            <a:normAutofit fontScale="92500" lnSpcReduction="20000"/>
-          </a:bodyPr>
-          <a:lstStyle/>
-          <a:p>
-            <a:r>
-              <a:rPr lang="en-US" dirty="0">
-                <a:solidFill>
-                  <a:srgbClr val="FF0000"/>
-                </a:solidFill>
-              </a:rPr>
-              <a:t>Writing</a:t>
-            </a:r>
-          </a:p>
-          <a:p>
-            <a:pPr lvl="1"/>
-            <a:r>
-              <a:rPr lang="en-US" dirty="0">
-                <a:solidFill>
-                  <a:srgbClr val="FF0000"/>
-                </a:solidFill>
-              </a:rPr>
-              <a:t>Results: New version of figure 2:</a:t>
-            </a:r>
-          </a:p>
-          <a:p>
-            <a:pPr lvl="2"/>
-            <a:r>
-              <a:rPr lang="en-US" dirty="0">
-                <a:solidFill>
-                  <a:srgbClr val="FF0000"/>
-                </a:solidFill>
-              </a:rPr>
-              <a:t>Cornejo-</a:t>
-            </a:r>
-            <a:r>
-              <a:rPr lang="en-US" dirty="0" err="1">
-                <a:solidFill>
-                  <a:srgbClr val="FF0000"/>
-                </a:solidFill>
-              </a:rPr>
-              <a:t>esque</a:t>
-            </a:r>
-            <a:r>
-              <a:rPr lang="en-US" dirty="0">
-                <a:solidFill>
-                  <a:srgbClr val="FF0000"/>
-                </a:solidFill>
-              </a:rPr>
-              <a:t> demographic model (but contraction)</a:t>
-            </a:r>
-          </a:p>
-          <a:p>
-            <a:pPr lvl="2"/>
-            <a:r>
-              <a:rPr lang="en-US" dirty="0">
-                <a:solidFill>
-                  <a:srgbClr val="FF0000"/>
-                </a:solidFill>
-              </a:rPr>
-              <a:t>SFS for B. thetaiotaomicron</a:t>
-            </a:r>
-          </a:p>
-          <a:p>
-            <a:pPr lvl="2"/>
-            <a:r>
-              <a:rPr lang="en-US" dirty="0">
-                <a:solidFill>
-                  <a:srgbClr val="FF0000"/>
-                </a:solidFill>
-              </a:rPr>
-              <a:t>Possibly include likelihood plot</a:t>
-            </a:r>
-          </a:p>
-          <a:p>
-            <a:pPr lvl="2"/>
-            <a:r>
-              <a:rPr lang="en-US" dirty="0">
-                <a:solidFill>
-                  <a:srgbClr val="FF0000"/>
-                </a:solidFill>
-              </a:rPr>
-              <a:t>Update cartoons / figures with current script</a:t>
-            </a:r>
-          </a:p>
-          <a:p>
-            <a:pPr lvl="1"/>
-            <a:r>
-              <a:rPr lang="en-US" dirty="0">
-                <a:solidFill>
-                  <a:srgbClr val="FF0000"/>
-                </a:solidFill>
-              </a:rPr>
-              <a:t>Methods: </a:t>
-            </a:r>
-          </a:p>
-          <a:p>
-            <a:pPr lvl="2"/>
-            <a:r>
-              <a:rPr lang="en-US" dirty="0">
-                <a:solidFill>
-                  <a:srgbClr val="FF0000"/>
-                </a:solidFill>
-              </a:rPr>
-              <a:t>Remove distribution of QP samples </a:t>
-            </a:r>
-          </a:p>
-          <a:p>
-            <a:pPr lvl="1"/>
-            <a:r>
-              <a:rPr lang="en-US" dirty="0">
-                <a:solidFill>
-                  <a:srgbClr val="FF0000"/>
-                </a:solidFill>
-              </a:rPr>
-              <a:t>Supplement:</a:t>
-            </a:r>
-          </a:p>
-          <a:p>
-            <a:pPr lvl="2"/>
-            <a:r>
-              <a:rPr lang="en-US" b="1" dirty="0">
-                <a:solidFill>
-                  <a:srgbClr val="FF0000"/>
-                </a:solidFill>
-              </a:rPr>
-              <a:t>Consult someone with good fashion sense</a:t>
-            </a:r>
-          </a:p>
-          <a:p>
-            <a:pPr lvl="2"/>
-            <a:r>
-              <a:rPr lang="en-US" dirty="0">
-                <a:solidFill>
-                  <a:srgbClr val="FF0000"/>
-                </a:solidFill>
-              </a:rPr>
-              <a:t>Cartoon of four demographic models</a:t>
-            </a:r>
-          </a:p>
-          <a:p>
-            <a:pPr lvl="2"/>
-            <a:r>
-              <a:rPr lang="en-US" dirty="0">
-                <a:solidFill>
-                  <a:srgbClr val="FF0000"/>
-                </a:solidFill>
-              </a:rPr>
-              <a:t>Distribution of QP samples</a:t>
-            </a:r>
-          </a:p>
-          <a:p>
-            <a:pPr lvl="2"/>
-            <a:r>
-              <a:rPr lang="en-US" dirty="0">
-                <a:solidFill>
-                  <a:srgbClr val="FF0000"/>
-                </a:solidFill>
-              </a:rPr>
-              <a:t>SFS’s </a:t>
-            </a:r>
-          </a:p>
-          <a:p>
-            <a:pPr lvl="1"/>
-            <a:r>
-              <a:rPr lang="en-US" dirty="0">
-                <a:solidFill>
-                  <a:srgbClr val="FF0000"/>
-                </a:solidFill>
-              </a:rPr>
-              <a:t>Clean-up</a:t>
-            </a:r>
-          </a:p>
-          <a:p>
-            <a:pPr lvl="2"/>
-            <a:r>
-              <a:rPr lang="en-US" dirty="0">
-                <a:solidFill>
-                  <a:srgbClr val="FF0000"/>
-                </a:solidFill>
-              </a:rPr>
-              <a:t>Read out loud for MIDAS section</a:t>
-            </a:r>
-          </a:p>
-        </p:txBody>
-      </p:sp>
-    </p:spTree>
-    <p:extLst>
-      <p:ext uri="{BB962C8B-B14F-4D97-AF65-F5344CB8AC3E}">
-        <p14:creationId xmlns:p14="http://schemas.microsoft.com/office/powerpoint/2010/main" val="3138851951"/>
-      </p:ext>
-    </p:extLst>
-  </p:cSld>
-  <p:clrMapOvr>
-    <a:masterClrMapping/>
-  </p:clrMapOvr>
-</p:sld>
-</file>
-
-<file path=ppt/slides/slide16.xml><?xml version="1.0" encoding="utf-8"?>
-<p:sld xmlns:a="http://schemas.openxmlformats.org/drawingml/2006/main" xmlns:r="http://schemas.openxmlformats.org/officeDocument/2006/relationships" xmlns:p="http://schemas.openxmlformats.org/presentationml/2006/main">
-  <p:cSld>
-    <p:spTree>
-      <p:nvGrpSpPr>
-        <p:cNvPr id="1" name=""/>
-        <p:cNvGrpSpPr/>
-        <p:nvPr/>
-      </p:nvGrpSpPr>
-      <p:grpSpPr>
-        <a:xfrm>
-          <a:off x="0" y="0"/>
-          <a:ext cx="0" cy="0"/>
-          <a:chOff x="0" y="0"/>
-          <a:chExt cx="0" cy="0"/>
-        </a:xfrm>
-      </p:grpSpPr>
-      <p:sp>
-        <p:nvSpPr>
-          <p:cNvPr id="2" name="Title 1">
-            <a:extLst>
-              <a:ext uri="{FF2B5EF4-FFF2-40B4-BE49-F238E27FC236}">
-                <a16:creationId xmlns:a16="http://schemas.microsoft.com/office/drawing/2014/main" id="{82A13C69-9960-AE20-E607-565A44A96D2D}"/>
-              </a:ext>
-            </a:extLst>
-          </p:cNvPr>
-          <p:cNvSpPr>
-            <a:spLocks noGrp="1"/>
-          </p:cNvSpPr>
-          <p:nvPr>
-            <p:ph type="title"/>
-          </p:nvPr>
-        </p:nvSpPr>
-        <p:spPr/>
-        <p:txBody>
-          <a:bodyPr/>
-          <a:lstStyle/>
-          <a:p>
-            <a:r>
-              <a:rPr lang="en-US" dirty="0"/>
-              <a:t>TODO</a:t>
-            </a:r>
-          </a:p>
-        </p:txBody>
-      </p:sp>
-      <p:sp>
-        <p:nvSpPr>
-          <p:cNvPr id="3" name="Content Placeholder 2">
-            <a:extLst>
-              <a:ext uri="{FF2B5EF4-FFF2-40B4-BE49-F238E27FC236}">
-                <a16:creationId xmlns:a16="http://schemas.microsoft.com/office/drawing/2014/main" id="{F1424677-5EFD-6620-B214-60823D25C5F2}"/>
-              </a:ext>
-            </a:extLst>
-          </p:cNvPr>
-          <p:cNvSpPr>
-            <a:spLocks noGrp="1"/>
-          </p:cNvSpPr>
-          <p:nvPr>
-            <p:ph idx="1"/>
-          </p:nvPr>
-        </p:nvSpPr>
-        <p:spPr/>
-        <p:txBody>
-          <a:bodyPr>
-            <a:normAutofit/>
-          </a:bodyPr>
-          <a:lstStyle/>
-          <a:p>
-            <a:r>
-              <a:rPr lang="en-US" dirty="0">
-                <a:solidFill>
-                  <a:srgbClr val="FF0000"/>
-                </a:solidFill>
-              </a:rPr>
-              <a:t>Prioritize finishing oral data [low burden]: </a:t>
-            </a:r>
-          </a:p>
-          <a:p>
-            <a:pPr lvl="1"/>
-            <a:r>
-              <a:rPr lang="en-US" dirty="0">
-                <a:solidFill>
-                  <a:srgbClr val="FF0000"/>
-                </a:solidFill>
-              </a:rPr>
-              <a:t>Run genes and </a:t>
-            </a:r>
-            <a:r>
-              <a:rPr lang="en-US" dirty="0" err="1">
-                <a:solidFill>
-                  <a:srgbClr val="FF0000"/>
-                </a:solidFill>
-              </a:rPr>
-              <a:t>snps</a:t>
-            </a:r>
-            <a:r>
-              <a:rPr lang="en-US" dirty="0">
-                <a:solidFill>
-                  <a:srgbClr val="FF0000"/>
-                </a:solidFill>
-              </a:rPr>
-              <a:t> step</a:t>
-            </a:r>
-          </a:p>
-          <a:p>
-            <a:pPr lvl="1"/>
-            <a:r>
-              <a:rPr lang="en-US" dirty="0">
-                <a:solidFill>
-                  <a:srgbClr val="FF0000"/>
-                </a:solidFill>
-              </a:rPr>
-              <a:t>Run merge step</a:t>
-            </a:r>
-          </a:p>
-          <a:p>
-            <a:r>
-              <a:rPr lang="en-US" dirty="0">
-                <a:solidFill>
-                  <a:srgbClr val="FF0000"/>
-                </a:solidFill>
-              </a:rPr>
-              <a:t>Talk to Leah, Michael, Nandita about Pi computation (</a:t>
-            </a:r>
-            <a:r>
-              <a:rPr lang="en-US" b="1" dirty="0">
-                <a:solidFill>
-                  <a:srgbClr val="FF0000"/>
-                </a:solidFill>
-              </a:rPr>
-              <a:t>Tuesday 3P PST</a:t>
-            </a:r>
-            <a:r>
-              <a:rPr lang="en-US" dirty="0">
-                <a:solidFill>
-                  <a:srgbClr val="FF0000"/>
-                </a:solidFill>
-              </a:rPr>
-              <a:t>)</a:t>
-            </a:r>
-          </a:p>
-          <a:p>
-            <a:r>
-              <a:rPr lang="en-US" dirty="0">
-                <a:solidFill>
-                  <a:srgbClr val="FF0000"/>
-                </a:solidFill>
-              </a:rPr>
-              <a:t>Remove Ethiopian data</a:t>
-            </a:r>
-          </a:p>
-          <a:p>
-            <a:r>
-              <a:rPr lang="en-US" dirty="0"/>
-              <a:t>Plot likelihood surface</a:t>
-            </a:r>
-          </a:p>
-          <a:p>
-            <a:r>
-              <a:rPr lang="en-US" dirty="0"/>
-              <a:t>Fit negative selection for SFS on </a:t>
-            </a:r>
-            <a:r>
-              <a:rPr lang="en-US" dirty="0" err="1"/>
-              <a:t>downsampled</a:t>
-            </a:r>
-            <a:r>
-              <a:rPr lang="en-US" dirty="0"/>
-              <a:t> data</a:t>
-            </a:r>
-          </a:p>
-        </p:txBody>
-      </p:sp>
-    </p:spTree>
-    <p:extLst>
-      <p:ext uri="{BB962C8B-B14F-4D97-AF65-F5344CB8AC3E}">
-        <p14:creationId xmlns:p14="http://schemas.microsoft.com/office/powerpoint/2010/main" val="2781293637"/>
-      </p:ext>
-    </p:extLst>
-  </p:cSld>
-  <p:clrMapOvr>
-    <a:masterClrMapping/>
-  </p:clrMapOvr>
-</p:sld>
-</file>
-
-<file path=ppt/slides/slide17.xml><?xml version="1.0" encoding="utf-8"?>
-<p:sld xmlns:a="http://schemas.openxmlformats.org/drawingml/2006/main" xmlns:r="http://schemas.openxmlformats.org/officeDocument/2006/relationships" xmlns:p="http://schemas.openxmlformats.org/presentationml/2006/main">
-  <p:cSld>
-    <p:spTree>
-      <p:nvGrpSpPr>
-        <p:cNvPr id="1" name=""/>
-        <p:cNvGrpSpPr/>
-        <p:nvPr/>
-      </p:nvGrpSpPr>
-      <p:grpSpPr>
-        <a:xfrm>
-          <a:off x="0" y="0"/>
-          <a:ext cx="0" cy="0"/>
-          <a:chOff x="0" y="0"/>
-          <a:chExt cx="0" cy="0"/>
-        </a:xfrm>
-      </p:grpSpPr>
-      <p:sp>
-        <p:nvSpPr>
-          <p:cNvPr id="2" name="Title 1">
-            <a:extLst>
-              <a:ext uri="{FF2B5EF4-FFF2-40B4-BE49-F238E27FC236}">
-                <a16:creationId xmlns:a16="http://schemas.microsoft.com/office/drawing/2014/main" id="{A602EA1E-DA58-BED5-FDEE-69838F68237F}"/>
-              </a:ext>
-            </a:extLst>
-          </p:cNvPr>
-          <p:cNvSpPr>
-            <a:spLocks noGrp="1"/>
-          </p:cNvSpPr>
-          <p:nvPr>
-            <p:ph type="title"/>
-          </p:nvPr>
-        </p:nvSpPr>
-        <p:spPr/>
-        <p:txBody>
-          <a:bodyPr/>
-          <a:lstStyle/>
-          <a:p>
-            <a:r>
-              <a:rPr lang="en-US" dirty="0" err="1"/>
-              <a:t>Todo</a:t>
-            </a:r>
-            <a:r>
-              <a:rPr lang="en-US" dirty="0"/>
-              <a:t> 20220815</a:t>
-            </a:r>
-          </a:p>
-        </p:txBody>
-      </p:sp>
-      <p:sp>
-        <p:nvSpPr>
-          <p:cNvPr id="3" name="Content Placeholder 2">
-            <a:extLst>
-              <a:ext uri="{FF2B5EF4-FFF2-40B4-BE49-F238E27FC236}">
-                <a16:creationId xmlns:a16="http://schemas.microsoft.com/office/drawing/2014/main" id="{1747A062-6D09-3F49-9719-9EC1D1335A5B}"/>
-              </a:ext>
-            </a:extLst>
-          </p:cNvPr>
-          <p:cNvSpPr>
-            <a:spLocks noGrp="1"/>
-          </p:cNvSpPr>
-          <p:nvPr>
-            <p:ph idx="1"/>
-          </p:nvPr>
-        </p:nvSpPr>
-        <p:spPr>
-          <a:xfrm>
-            <a:off x="838200" y="1690688"/>
-            <a:ext cx="10515600" cy="4351338"/>
-          </a:xfrm>
-        </p:spPr>
-        <p:txBody>
-          <a:bodyPr/>
-          <a:lstStyle/>
-          <a:p>
-            <a:r>
-              <a:rPr lang="en-US" dirty="0"/>
-              <a:t>Write in greater detail about nucleotide diversity figure</a:t>
-            </a:r>
-          </a:p>
-          <a:p>
-            <a:pPr lvl="1"/>
-            <a:r>
-              <a:rPr lang="en-US" dirty="0"/>
-              <a:t>Read through:</a:t>
-            </a:r>
-          </a:p>
-          <a:p>
-            <a:pPr lvl="2"/>
-            <a:r>
-              <a:rPr lang="en-US" dirty="0"/>
-              <a:t>Suzuki 2021</a:t>
-            </a:r>
-          </a:p>
-          <a:p>
-            <a:pPr lvl="2"/>
-            <a:r>
-              <a:rPr lang="en-US" dirty="0"/>
-              <a:t>Spencer 2022</a:t>
-            </a:r>
-          </a:p>
-          <a:p>
-            <a:pPr lvl="2"/>
-            <a:r>
-              <a:rPr lang="en-US" dirty="0" err="1"/>
-              <a:t>Tamburini</a:t>
-            </a:r>
-            <a:endParaRPr lang="en-US" dirty="0"/>
-          </a:p>
-          <a:p>
-            <a:pPr lvl="2"/>
-            <a:r>
-              <a:rPr lang="en-US" dirty="0" err="1"/>
-              <a:t>Orsted</a:t>
-            </a:r>
-            <a:r>
-              <a:rPr lang="en-US" dirty="0"/>
-              <a:t> 2022</a:t>
-            </a:r>
-          </a:p>
-          <a:p>
-            <a:pPr lvl="1"/>
-            <a:r>
-              <a:rPr lang="en-US" dirty="0"/>
-              <a:t>What does pi mean at different magnitudes? 10e-2 vs. 10e-4</a:t>
-            </a:r>
-          </a:p>
-          <a:p>
-            <a:pPr lvl="2"/>
-            <a:r>
-              <a:rPr lang="en-US" dirty="0"/>
-              <a:t>10e-2 might suggest differences between strains</a:t>
-            </a:r>
-          </a:p>
-          <a:p>
-            <a:pPr lvl="2"/>
-            <a:r>
-              <a:rPr lang="en-US" dirty="0"/>
-              <a:t>10e-4</a:t>
-            </a:r>
-          </a:p>
-        </p:txBody>
-      </p:sp>
-    </p:spTree>
-    <p:extLst>
-      <p:ext uri="{BB962C8B-B14F-4D97-AF65-F5344CB8AC3E}">
-        <p14:creationId xmlns:p14="http://schemas.microsoft.com/office/powerpoint/2010/main" val="3538373345"/>
-      </p:ext>
-    </p:extLst>
-  </p:cSld>
-  <p:clrMapOvr>
-    <a:masterClrMapping/>
-  </p:clrMapOvr>
-</p:sld>
-</file>
-
-<file path=ppt/slides/slide18.xml><?xml version="1.0" encoding="utf-8"?>
-<p:sld xmlns:a="http://schemas.openxmlformats.org/drawingml/2006/main" xmlns:r="http://schemas.openxmlformats.org/officeDocument/2006/relationships" xmlns:p="http://schemas.openxmlformats.org/presentationml/2006/main">
-  <p:cSld>
-    <p:spTree>
-      <p:nvGrpSpPr>
-        <p:cNvPr id="1" name=""/>
-        <p:cNvGrpSpPr/>
-        <p:nvPr/>
-      </p:nvGrpSpPr>
-      <p:grpSpPr>
-        <a:xfrm>
-          <a:off x="0" y="0"/>
-          <a:ext cx="0" cy="0"/>
-          <a:chOff x="0" y="0"/>
-          <a:chExt cx="0" cy="0"/>
-        </a:xfrm>
-      </p:grpSpPr>
-      <p:sp>
-        <p:nvSpPr>
-          <p:cNvPr id="2" name="Title 1">
-            <a:extLst>
-              <a:ext uri="{FF2B5EF4-FFF2-40B4-BE49-F238E27FC236}">
-                <a16:creationId xmlns:a16="http://schemas.microsoft.com/office/drawing/2014/main" id="{A602EA1E-DA58-BED5-FDEE-69838F68237F}"/>
-              </a:ext>
-            </a:extLst>
-          </p:cNvPr>
-          <p:cNvSpPr>
-            <a:spLocks noGrp="1"/>
-          </p:cNvSpPr>
-          <p:nvPr>
-            <p:ph type="title"/>
-          </p:nvPr>
-        </p:nvSpPr>
-        <p:spPr/>
-        <p:txBody>
-          <a:bodyPr/>
-          <a:lstStyle/>
-          <a:p>
-            <a:r>
-              <a:rPr lang="en-US" dirty="0"/>
-              <a:t>TODO 20220815</a:t>
-            </a:r>
-          </a:p>
-        </p:txBody>
-      </p:sp>
-      <p:sp>
-        <p:nvSpPr>
-          <p:cNvPr id="3" name="Content Placeholder 2">
-            <a:extLst>
-              <a:ext uri="{FF2B5EF4-FFF2-40B4-BE49-F238E27FC236}">
-                <a16:creationId xmlns:a16="http://schemas.microsoft.com/office/drawing/2014/main" id="{1747A062-6D09-3F49-9719-9EC1D1335A5B}"/>
-              </a:ext>
-            </a:extLst>
-          </p:cNvPr>
-          <p:cNvSpPr>
-            <a:spLocks noGrp="1"/>
-          </p:cNvSpPr>
-          <p:nvPr>
-            <p:ph idx="1"/>
-          </p:nvPr>
-        </p:nvSpPr>
-        <p:spPr/>
-        <p:txBody>
-          <a:bodyPr/>
-          <a:lstStyle/>
-          <a:p>
-            <a:r>
-              <a:rPr lang="en-US" dirty="0"/>
-              <a:t>Fix species script for oral data</a:t>
-            </a:r>
-          </a:p>
-          <a:p>
-            <a:r>
-              <a:rPr lang="en-US" dirty="0"/>
-              <a:t>SFSs for supplement + main text (B. </a:t>
-            </a:r>
-            <a:r>
-              <a:rPr lang="en-US" dirty="0" err="1"/>
-              <a:t>intestinihominis</a:t>
-            </a:r>
-            <a:r>
-              <a:rPr lang="en-US" dirty="0"/>
-              <a:t>)</a:t>
-            </a:r>
-          </a:p>
-          <a:p>
-            <a:r>
-              <a:rPr lang="en-US" dirty="0"/>
-              <a:t>Likelihood search + expanded plotting</a:t>
-            </a:r>
-          </a:p>
-          <a:p>
-            <a:pPr lvl="1"/>
-            <a:r>
-              <a:rPr lang="en-US" dirty="0"/>
-              <a:t>Look for better SFS fit</a:t>
-            </a:r>
-          </a:p>
-          <a:p>
-            <a:r>
-              <a:rPr lang="en-US" dirty="0"/>
-              <a:t>Pi chart set to IID</a:t>
-            </a:r>
-          </a:p>
-          <a:p>
-            <a:r>
-              <a:rPr lang="en-US" dirty="0"/>
-              <a:t>Hit up Kirk for the LL </a:t>
-            </a:r>
-            <a:r>
-              <a:rPr lang="en-US" dirty="0" err="1"/>
-              <a:t>deets</a:t>
-            </a:r>
-            <a:endParaRPr lang="en-US" dirty="0"/>
-          </a:p>
-          <a:p>
-            <a:pPr lvl="1"/>
-            <a:r>
-              <a:rPr lang="en-US" dirty="0"/>
-              <a:t>Bounce off </a:t>
-            </a:r>
-            <a:r>
-              <a:rPr lang="en-US" dirty="0" err="1"/>
-              <a:t>microb</a:t>
-            </a:r>
-            <a:r>
-              <a:rPr lang="en-US" dirty="0"/>
-              <a:t> stuff to make sure I don’t talk to myself too much</a:t>
-            </a:r>
-          </a:p>
-        </p:txBody>
-      </p:sp>
-    </p:spTree>
-    <p:extLst>
-      <p:ext uri="{BB962C8B-B14F-4D97-AF65-F5344CB8AC3E}">
-        <p14:creationId xmlns:p14="http://schemas.microsoft.com/office/powerpoint/2010/main" val="1096774847"/>
+        <p14:creationId xmlns:p14="http://schemas.microsoft.com/office/powerpoint/2010/main" val="2897469236"/>
       </p:ext>
     </p:extLst>
   </p:cSld>
@@ -5337,13 +5081,25 @@
             </a:r>
           </a:p>
           <a:p>
+            <a:pPr lvl="1"/>
             <a:r>
               <a:rPr lang="en-US" dirty="0">
                 <a:latin typeface="Yu Gothic" panose="020B0400000000000000" pitchFamily="34" charset="-128"/>
                 <a:ea typeface="Yu Gothic" panose="020B0400000000000000" pitchFamily="34" charset="-128"/>
               </a:rPr>
-              <a:t>Likelihood surface</a:t>
-            </a:r>
+              <a:t>Sanity checks on B. </a:t>
+            </a:r>
+            <a:r>
+              <a:rPr lang="en-US" dirty="0" err="1">
+                <a:latin typeface="Yu Gothic" panose="020B0400000000000000" pitchFamily="34" charset="-128"/>
+                <a:ea typeface="Yu Gothic" panose="020B0400000000000000" pitchFamily="34" charset="-128"/>
+              </a:rPr>
+              <a:t>intestinihominis</a:t>
+            </a:r>
+            <a:endParaRPr lang="en-US" dirty="0">
+              <a:latin typeface="Yu Gothic" panose="020B0400000000000000" pitchFamily="34" charset="-128"/>
+              <a:ea typeface="Yu Gothic" panose="020B0400000000000000" pitchFamily="34" charset="-128"/>
+            </a:endParaRPr>
           </a:p>
           <a:p>
             <a:r>
@@ -5351,7 +5107,7 @@
                 <a:latin typeface="Yu Gothic" panose="020B0400000000000000" pitchFamily="34" charset="-128"/>
                 <a:ea typeface="Yu Gothic" panose="020B0400000000000000" pitchFamily="34" charset="-128"/>
               </a:rPr>
-              <a:t>Pi</a:t>
+              <a:t>Likelihood surface expanded</a:t>
             </a:r>
           </a:p>
           <a:p>
@@ -5360,7 +5116,7 @@
                 <a:latin typeface="Yu Gothic" panose="020B0400000000000000" pitchFamily="34" charset="-128"/>
                 <a:ea typeface="Yu Gothic" panose="020B0400000000000000" pitchFamily="34" charset="-128"/>
               </a:rPr>
-              <a:t>MIDAS</a:t>
+              <a:t>Better (?) demographic inferences</a:t>
             </a:r>
           </a:p>
           <a:p>
@@ -5449,12 +5205,91 @@
           </a:p>
         </p:txBody>
       </p:sp>
+      <p:sp>
+        <p:nvSpPr>
+          <p:cNvPr id="3" name="TextBox 2">
+            <a:extLst>
+              <a:ext uri="{FF2B5EF4-FFF2-40B4-BE49-F238E27FC236}">
+                <a16:creationId xmlns:a16="http://schemas.microsoft.com/office/drawing/2014/main" id="{1B5CE104-2AB2-6D90-DE18-FE3A56690CF6}"/>
+              </a:ext>
+            </a:extLst>
+          </p:cNvPr>
+          <p:cNvSpPr txBox="1"/>
+          <p:nvPr/>
+        </p:nvSpPr>
+        <p:spPr>
+          <a:xfrm>
+            <a:off x="9407583" y="584200"/>
+            <a:ext cx="2784417" cy="1754326"/>
+          </a:xfrm>
+          <a:prstGeom prst="rect">
+            <a:avLst/>
+          </a:prstGeom>
+          <a:noFill/>
+        </p:spPr>
+        <p:txBody>
+          <a:bodyPr wrap="none" rtlCol="0">
+            <a:spAutoFit/>
+          </a:bodyPr>
+          <a:lstStyle/>
+          <a:p>
+            <a:r>
+              <a:rPr lang="en-US" dirty="0">
+                <a:solidFill>
+                  <a:srgbClr val="FF0000"/>
+                </a:solidFill>
+              </a:rPr>
+              <a:t>On supplemental full </a:t>
+            </a:r>
+          </a:p>
+          <a:p>
+            <a:r>
+              <a:rPr lang="en-US" dirty="0">
+                <a:solidFill>
+                  <a:srgbClr val="FF0000"/>
+                </a:solidFill>
+              </a:rPr>
+              <a:t>figure report best model +</a:t>
+            </a:r>
+          </a:p>
+          <a:p>
+            <a:r>
+              <a:rPr lang="en-US" dirty="0">
+                <a:solidFill>
+                  <a:srgbClr val="FF0000"/>
+                </a:solidFill>
+              </a:rPr>
+              <a:t>Empirical + one-epoch  only</a:t>
+            </a:r>
+          </a:p>
+          <a:p>
+            <a:r>
+              <a:rPr lang="en-US" dirty="0">
+                <a:solidFill>
+                  <a:srgbClr val="FF0000"/>
+                </a:solidFill>
+              </a:rPr>
+              <a:t>For species w/ contraction</a:t>
+            </a:r>
+            <a:br>
+              <a:rPr lang="en-US" dirty="0"/>
+            </a:br>
+            <a:br>
+              <a:rPr lang="en-US" dirty="0"/>
+            </a:br>
+            <a:r>
+              <a:rPr lang="en-US" dirty="0"/>
+              <a:t>In table show all</a:t>
+            </a:r>
+          </a:p>
+        </p:txBody>
+      </p:sp>
       <p:pic>
         <p:nvPicPr>
-          <p:cNvPr id="11" name="Picture 10" descr="Chart, bar chart&#10;&#10;Description automatically generated">
-            <a:extLst>
-              <a:ext uri="{FF2B5EF4-FFF2-40B4-BE49-F238E27FC236}">
-                <a16:creationId xmlns:a16="http://schemas.microsoft.com/office/drawing/2014/main" id="{6E91517A-4556-2DAD-50B1-31AFFF8413A9}"/>
+          <p:cNvPr id="4" name="Picture 3" descr="Chart, bar chart&#10;&#10;Description automatically generated">
+            <a:extLst>
+              <a:ext uri="{FF2B5EF4-FFF2-40B4-BE49-F238E27FC236}">
+                <a16:creationId xmlns:a16="http://schemas.microsoft.com/office/drawing/2014/main" id="{22B78AA7-B0D8-370F-4F0A-43B832021CD3}"/>
               </a:ext>
             </a:extLst>
           </p:cNvPr>
@@ -5477,158 +5312,14 @@
         </p:blipFill>
         <p:spPr>
           <a:xfrm>
-            <a:off x="2184318" y="0"/>
-            <a:ext cx="6451764" cy="6858000"/>
+            <a:off x="3004148" y="0"/>
+            <a:ext cx="6183703" cy="6858000"/>
           </a:xfrm>
           <a:prstGeom prst="rect">
             <a:avLst/>
           </a:prstGeom>
         </p:spPr>
       </p:pic>
-      <p:sp>
-        <p:nvSpPr>
-          <p:cNvPr id="3" name="TextBox 2">
-            <a:extLst>
-              <a:ext uri="{FF2B5EF4-FFF2-40B4-BE49-F238E27FC236}">
-                <a16:creationId xmlns:a16="http://schemas.microsoft.com/office/drawing/2014/main" id="{1B5CE104-2AB2-6D90-DE18-FE3A56690CF6}"/>
-              </a:ext>
-            </a:extLst>
-          </p:cNvPr>
-          <p:cNvSpPr txBox="1"/>
-          <p:nvPr/>
-        </p:nvSpPr>
-        <p:spPr>
-          <a:xfrm>
-            <a:off x="9407583" y="584200"/>
-            <a:ext cx="2784417" cy="5078313"/>
-          </a:xfrm>
-          <a:prstGeom prst="rect">
-            <a:avLst/>
-          </a:prstGeom>
-          <a:noFill/>
-        </p:spPr>
-        <p:txBody>
-          <a:bodyPr wrap="none" rtlCol="0">
-            <a:spAutoFit/>
-          </a:bodyPr>
-          <a:lstStyle/>
-          <a:p>
-            <a:r>
-              <a:rPr lang="en-US" dirty="0"/>
-              <a:t>Empirical data fits</a:t>
-            </a:r>
-          </a:p>
-          <a:p>
-            <a:r>
-              <a:rPr lang="en-US" dirty="0"/>
-              <a:t>Poorly to two-epoch</a:t>
-            </a:r>
-          </a:p>
-          <a:p>
-            <a:endParaRPr lang="en-US" dirty="0"/>
-          </a:p>
-          <a:p>
-            <a:endParaRPr lang="en-US" dirty="0"/>
-          </a:p>
-          <a:p>
-            <a:r>
-              <a:rPr lang="en-US" dirty="0"/>
-              <a:t>Also it doesn’t really</a:t>
-            </a:r>
-          </a:p>
-          <a:p>
-            <a:r>
-              <a:rPr lang="en-US" dirty="0"/>
-              <a:t>Make sense to show</a:t>
-            </a:r>
-          </a:p>
-          <a:p>
-            <a:r>
-              <a:rPr lang="en-US" dirty="0"/>
-              <a:t>The results that</a:t>
-            </a:r>
-          </a:p>
-          <a:p>
-            <a:r>
-              <a:rPr lang="en-US" dirty="0"/>
-              <a:t>Give “bad” time</a:t>
-            </a:r>
-          </a:p>
-          <a:p>
-            <a:endParaRPr lang="en-US" dirty="0"/>
-          </a:p>
-          <a:p>
-            <a:r>
-              <a:rPr lang="en-US" dirty="0"/>
-              <a:t>Pick a better example,</a:t>
-            </a:r>
-          </a:p>
-          <a:p>
-            <a:r>
-              <a:rPr lang="en-US" dirty="0"/>
-              <a:t>e.g., B. </a:t>
-            </a:r>
-            <a:r>
-              <a:rPr lang="en-US" dirty="0" err="1"/>
-              <a:t>intestinihominis</a:t>
-            </a:r>
-            <a:endParaRPr lang="en-US" dirty="0"/>
-          </a:p>
-          <a:p>
-            <a:endParaRPr lang="en-US" dirty="0"/>
-          </a:p>
-          <a:p>
-            <a:r>
-              <a:rPr lang="en-US" dirty="0">
-                <a:solidFill>
-                  <a:srgbClr val="FF0000"/>
-                </a:solidFill>
-              </a:rPr>
-              <a:t>On supplemental full </a:t>
-            </a:r>
-          </a:p>
-          <a:p>
-            <a:r>
-              <a:rPr lang="en-US" dirty="0">
-                <a:solidFill>
-                  <a:srgbClr val="FF0000"/>
-                </a:solidFill>
-              </a:rPr>
-              <a:t>figure report best model +</a:t>
-            </a:r>
-          </a:p>
-          <a:p>
-            <a:r>
-              <a:rPr lang="en-US" dirty="0">
-                <a:solidFill>
-                  <a:srgbClr val="FF0000"/>
-                </a:solidFill>
-              </a:rPr>
-              <a:t>Empirical + one-epoch  only</a:t>
-            </a:r>
-          </a:p>
-          <a:p>
-            <a:r>
-              <a:rPr lang="en-US" dirty="0">
-                <a:solidFill>
-                  <a:srgbClr val="FF0000"/>
-                </a:solidFill>
-              </a:rPr>
-              <a:t>For species w/ contraction</a:t>
-            </a:r>
-            <a:br>
-              <a:rPr lang="en-US" dirty="0"/>
-            </a:br>
-            <a:br>
-              <a:rPr lang="en-US" dirty="0"/>
-            </a:br>
-            <a:r>
-              <a:rPr lang="en-US" dirty="0"/>
-              <a:t>In table show all</a:t>
-            </a:r>
-          </a:p>
-        </p:txBody>
-      </p:sp>
     </p:spTree>
     <p:extLst>
       <p:ext uri="{BB962C8B-B14F-4D97-AF65-F5344CB8AC3E}">
@@ -5661,10 +5352,10 @@
       </p:grpSpPr>
       <p:sp>
         <p:nvSpPr>
-          <p:cNvPr id="2" name="Title 1">
-            <a:extLst>
-              <a:ext uri="{FF2B5EF4-FFF2-40B4-BE49-F238E27FC236}">
-                <a16:creationId xmlns:a16="http://schemas.microsoft.com/office/drawing/2014/main" id="{5DD6B107-B951-60CE-2062-5F1DB2585525}"/>
+          <p:cNvPr id="8" name="Title 7">
+            <a:extLst>
+              <a:ext uri="{FF2B5EF4-FFF2-40B4-BE49-F238E27FC236}">
+                <a16:creationId xmlns:a16="http://schemas.microsoft.com/office/drawing/2014/main" id="{5261F795-AC8D-5353-1B78-5C62B853111D}"/>
               </a:ext>
             </a:extLst>
           </p:cNvPr>
@@ -5682,227 +5373,74 @@
           <a:p>
             <a:r>
               <a:rPr lang="en-US" dirty="0"/>
-              <a:t>Likelihood Surface</a:t>
-            </a:r>
-          </a:p>
-        </p:txBody>
-      </p:sp>
-      <p:sp>
-        <p:nvSpPr>
-          <p:cNvPr id="4" name="Content Placeholder 3">
-            <a:extLst>
-              <a:ext uri="{FF2B5EF4-FFF2-40B4-BE49-F238E27FC236}">
-                <a16:creationId xmlns:a16="http://schemas.microsoft.com/office/drawing/2014/main" id="{C6AA128A-CDE8-10DA-588A-2516AF4D6F39}"/>
-              </a:ext>
-            </a:extLst>
-          </p:cNvPr>
-          <p:cNvSpPr>
-            <a:spLocks noGrp="1"/>
-          </p:cNvSpPr>
-          <p:nvPr>
-            <p:ph idx="1"/>
-          </p:nvPr>
-        </p:nvSpPr>
-        <p:spPr/>
-        <p:txBody>
-          <a:bodyPr/>
-          <a:lstStyle/>
-          <a:p>
-            <a:pPr lvl="1"/>
-            <a:r>
-              <a:rPr lang="en-US" dirty="0">
-                <a:highlight>
-                  <a:srgbClr val="FFFF00"/>
-                </a:highlight>
-                <a:latin typeface="Yu Gothic" panose="020B0400000000000000" pitchFamily="34" charset="-128"/>
-                <a:ea typeface="Yu Gothic" panose="020B0400000000000000" pitchFamily="34" charset="-128"/>
-              </a:rPr>
-              <a:t>A. </a:t>
-            </a:r>
-            <a:r>
-              <a:rPr lang="en-US" dirty="0" err="1">
-                <a:highlight>
-                  <a:srgbClr val="FFFF00"/>
-                </a:highlight>
-                <a:latin typeface="Yu Gothic" panose="020B0400000000000000" pitchFamily="34" charset="-128"/>
-                <a:ea typeface="Yu Gothic" panose="020B0400000000000000" pitchFamily="34" charset="-128"/>
-              </a:rPr>
-              <a:t>muciniphila</a:t>
-            </a:r>
-            <a:endParaRPr lang="en-US" dirty="0">
-              <a:highlight>
-                <a:srgbClr val="FFFF00"/>
-              </a:highlight>
-              <a:latin typeface="Yu Gothic" panose="020B0400000000000000" pitchFamily="34" charset="-128"/>
-              <a:ea typeface="Yu Gothic" panose="020B0400000000000000" pitchFamily="34" charset="-128"/>
-            </a:endParaRPr>
-          </a:p>
-          <a:p>
-            <a:pPr lvl="1"/>
-            <a:r>
-              <a:rPr lang="en-US" dirty="0">
-                <a:highlight>
-                  <a:srgbClr val="FFFF00"/>
-                </a:highlight>
-                <a:latin typeface="Yu Gothic" panose="020B0400000000000000" pitchFamily="34" charset="-128"/>
-                <a:ea typeface="Yu Gothic" panose="020B0400000000000000" pitchFamily="34" charset="-128"/>
-              </a:rPr>
-              <a:t>A. </a:t>
-            </a:r>
-            <a:r>
-              <a:rPr lang="en-US" dirty="0" err="1">
-                <a:highlight>
-                  <a:srgbClr val="FFFF00"/>
-                </a:highlight>
-                <a:latin typeface="Yu Gothic" panose="020B0400000000000000" pitchFamily="34" charset="-128"/>
-                <a:ea typeface="Yu Gothic" panose="020B0400000000000000" pitchFamily="34" charset="-128"/>
-              </a:rPr>
-              <a:t>onderdonkii</a:t>
-            </a:r>
-            <a:endParaRPr lang="en-US" dirty="0">
-              <a:highlight>
-                <a:srgbClr val="FFFF00"/>
-              </a:highlight>
-              <a:latin typeface="Yu Gothic" panose="020B0400000000000000" pitchFamily="34" charset="-128"/>
-              <a:ea typeface="Yu Gothic" panose="020B0400000000000000" pitchFamily="34" charset="-128"/>
-            </a:endParaRPr>
-          </a:p>
-          <a:p>
-            <a:pPr lvl="1"/>
-            <a:r>
-              <a:rPr lang="en-US" dirty="0">
-                <a:highlight>
-                  <a:srgbClr val="FFFF00"/>
-                </a:highlight>
-                <a:latin typeface="Yu Gothic" panose="020B0400000000000000" pitchFamily="34" charset="-128"/>
-                <a:ea typeface="Yu Gothic" panose="020B0400000000000000" pitchFamily="34" charset="-128"/>
-              </a:rPr>
-              <a:t>B. thetaiotaomicron</a:t>
-            </a:r>
-          </a:p>
-          <a:p>
-            <a:pPr lvl="1"/>
-            <a:r>
-              <a:rPr lang="en-US" dirty="0">
-                <a:highlight>
-                  <a:srgbClr val="FFFF00"/>
-                </a:highlight>
-                <a:latin typeface="Yu Gothic" panose="020B0400000000000000" pitchFamily="34" charset="-128"/>
-                <a:ea typeface="Yu Gothic" panose="020B0400000000000000" pitchFamily="34" charset="-128"/>
-              </a:rPr>
-              <a:t>B. </a:t>
-            </a:r>
-            <a:r>
-              <a:rPr lang="en-US" dirty="0" err="1">
-                <a:highlight>
-                  <a:srgbClr val="FFFF00"/>
-                </a:highlight>
-                <a:latin typeface="Yu Gothic" panose="020B0400000000000000" pitchFamily="34" charset="-128"/>
-                <a:ea typeface="Yu Gothic" panose="020B0400000000000000" pitchFamily="34" charset="-128"/>
-              </a:rPr>
-              <a:t>xylanisolvens</a:t>
-            </a:r>
-            <a:endParaRPr lang="en-US" dirty="0">
-              <a:highlight>
-                <a:srgbClr val="FFFF00"/>
-              </a:highlight>
-              <a:latin typeface="Yu Gothic" panose="020B0400000000000000" pitchFamily="34" charset="-128"/>
-              <a:ea typeface="Yu Gothic" panose="020B0400000000000000" pitchFamily="34" charset="-128"/>
-            </a:endParaRPr>
-          </a:p>
-          <a:p>
-            <a:pPr lvl="1"/>
-            <a:r>
-              <a:rPr lang="en-US" dirty="0">
-                <a:highlight>
-                  <a:srgbClr val="FFFF00"/>
-                </a:highlight>
-                <a:latin typeface="Yu Gothic" panose="020B0400000000000000" pitchFamily="34" charset="-128"/>
-                <a:ea typeface="Yu Gothic" panose="020B0400000000000000" pitchFamily="34" charset="-128"/>
-              </a:rPr>
-              <a:t>B. </a:t>
-            </a:r>
-            <a:r>
-              <a:rPr lang="en-US" dirty="0" err="1">
-                <a:highlight>
-                  <a:srgbClr val="FFFF00"/>
-                </a:highlight>
-                <a:latin typeface="Yu Gothic" panose="020B0400000000000000" pitchFamily="34" charset="-128"/>
-                <a:ea typeface="Yu Gothic" panose="020B0400000000000000" pitchFamily="34" charset="-128"/>
-              </a:rPr>
-              <a:t>intestinihominis</a:t>
-            </a:r>
-            <a:endParaRPr lang="en-US" dirty="0">
-              <a:highlight>
-                <a:srgbClr val="FFFF00"/>
-              </a:highlight>
-              <a:latin typeface="Yu Gothic" panose="020B0400000000000000" pitchFamily="34" charset="-128"/>
-              <a:ea typeface="Yu Gothic" panose="020B0400000000000000" pitchFamily="34" charset="-128"/>
-            </a:endParaRPr>
-          </a:p>
-          <a:p>
-            <a:pPr lvl="1"/>
-            <a:r>
-              <a:rPr lang="en-US" dirty="0">
-                <a:highlight>
-                  <a:srgbClr val="FFFF00"/>
-                </a:highlight>
-                <a:latin typeface="Yu Gothic" panose="020B0400000000000000" pitchFamily="34" charset="-128"/>
-                <a:ea typeface="Yu Gothic" panose="020B0400000000000000" pitchFamily="34" charset="-128"/>
-              </a:rPr>
-              <a:t>P. </a:t>
-            </a:r>
-            <a:r>
-              <a:rPr lang="en-US" dirty="0" err="1">
-                <a:highlight>
-                  <a:srgbClr val="FFFF00"/>
-                </a:highlight>
-                <a:latin typeface="Yu Gothic" panose="020B0400000000000000" pitchFamily="34" charset="-128"/>
-                <a:ea typeface="Yu Gothic" panose="020B0400000000000000" pitchFamily="34" charset="-128"/>
-              </a:rPr>
-              <a:t>distasonis</a:t>
-            </a:r>
-            <a:endParaRPr lang="en-US" dirty="0">
-              <a:highlight>
-                <a:srgbClr val="FFFF00"/>
-              </a:highlight>
-              <a:latin typeface="Yu Gothic" panose="020B0400000000000000" pitchFamily="34" charset="-128"/>
-              <a:ea typeface="Yu Gothic" panose="020B0400000000000000" pitchFamily="34" charset="-128"/>
-            </a:endParaRPr>
-          </a:p>
-          <a:p>
-            <a:pPr lvl="1"/>
-            <a:r>
-              <a:rPr lang="en-US" dirty="0">
-                <a:latin typeface="Yu Gothic" panose="020B0400000000000000" pitchFamily="34" charset="-128"/>
-                <a:ea typeface="Yu Gothic" panose="020B0400000000000000" pitchFamily="34" charset="-128"/>
-              </a:rPr>
-              <a:t>P. </a:t>
-            </a:r>
-            <a:r>
-              <a:rPr lang="en-US" dirty="0" err="1">
-                <a:latin typeface="Yu Gothic" panose="020B0400000000000000" pitchFamily="34" charset="-128"/>
-                <a:ea typeface="Yu Gothic" panose="020B0400000000000000" pitchFamily="34" charset="-128"/>
-              </a:rPr>
-              <a:t>merdae</a:t>
-            </a:r>
-            <a:r>
-              <a:rPr lang="en-US" dirty="0">
-                <a:latin typeface="Yu Gothic" panose="020B0400000000000000" pitchFamily="34" charset="-128"/>
-                <a:ea typeface="Yu Gothic" panose="020B0400000000000000" pitchFamily="34" charset="-128"/>
-              </a:rPr>
-              <a:t> – Taking a long time to resolve, not sure why</a:t>
-            </a:r>
-          </a:p>
-          <a:p>
-            <a:endParaRPr lang="en-US" dirty="0"/>
-          </a:p>
-        </p:txBody>
-      </p:sp>
+              <a:t>Sanity Check figures</a:t>
+            </a:r>
+          </a:p>
+        </p:txBody>
+      </p:sp>
+      <p:pic>
+        <p:nvPicPr>
+          <p:cNvPr id="6" name="Picture 5">
+            <a:extLst>
+              <a:ext uri="{FF2B5EF4-FFF2-40B4-BE49-F238E27FC236}">
+                <a16:creationId xmlns:a16="http://schemas.microsoft.com/office/drawing/2014/main" id="{494A66E8-7536-E6BB-9EEA-60C14DEFD1D0}"/>
+              </a:ext>
+            </a:extLst>
+          </p:cNvPr>
+          <p:cNvPicPr>
+            <a:picLocks noChangeAspect="1"/>
+          </p:cNvPicPr>
+          <p:nvPr/>
+        </p:nvPicPr>
+        <p:blipFill>
+          <a:blip r:embed="rId2"/>
+          <a:stretch>
+            <a:fillRect/>
+          </a:stretch>
+        </p:blipFill>
+        <p:spPr>
+          <a:xfrm>
+            <a:off x="0" y="1933493"/>
+            <a:ext cx="6080732" cy="3891669"/>
+          </a:xfrm>
+          <a:prstGeom prst="rect">
+            <a:avLst/>
+          </a:prstGeom>
+        </p:spPr>
+      </p:pic>
+      <p:pic>
+        <p:nvPicPr>
+          <p:cNvPr id="3" name="Picture 2">
+            <a:extLst>
+              <a:ext uri="{FF2B5EF4-FFF2-40B4-BE49-F238E27FC236}">
+                <a16:creationId xmlns:a16="http://schemas.microsoft.com/office/drawing/2014/main" id="{A974BB68-7CCC-D261-D861-69885A175010}"/>
+              </a:ext>
+            </a:extLst>
+          </p:cNvPr>
+          <p:cNvPicPr>
+            <a:picLocks noChangeAspect="1"/>
+          </p:cNvPicPr>
+          <p:nvPr/>
+        </p:nvPicPr>
+        <p:blipFill rotWithShape="1">
+          <a:blip r:embed="rId3"/>
+          <a:srcRect r="14221"/>
+          <a:stretch/>
+        </p:blipFill>
+        <p:spPr>
+          <a:xfrm>
+            <a:off x="6250175" y="1546340"/>
+            <a:ext cx="5734895" cy="4278822"/>
+          </a:xfrm>
+          <a:prstGeom prst="rect">
+            <a:avLst/>
+          </a:prstGeom>
+        </p:spPr>
+      </p:pic>
     </p:spTree>
     <p:extLst>
       <p:ext uri="{BB962C8B-B14F-4D97-AF65-F5344CB8AC3E}">
-        <p14:creationId xmlns:p14="http://schemas.microsoft.com/office/powerpoint/2010/main" val="1270107972"/>
+        <p14:creationId xmlns:p14="http://schemas.microsoft.com/office/powerpoint/2010/main" val="1943336172"/>
       </p:ext>
     </p:extLst>
   </p:cSld>
@@ -5931,10 +5469,10 @@
       </p:grpSpPr>
       <p:sp>
         <p:nvSpPr>
-          <p:cNvPr id="2" name="Title 1">
-            <a:extLst>
-              <a:ext uri="{FF2B5EF4-FFF2-40B4-BE49-F238E27FC236}">
-                <a16:creationId xmlns:a16="http://schemas.microsoft.com/office/drawing/2014/main" id="{DDECB1F4-193F-9752-CBCE-13D62BD690F0}"/>
+          <p:cNvPr id="8" name="Title 7">
+            <a:extLst>
+              <a:ext uri="{FF2B5EF4-FFF2-40B4-BE49-F238E27FC236}">
+                <a16:creationId xmlns:a16="http://schemas.microsoft.com/office/drawing/2014/main" id="{5261F795-AC8D-5353-1B78-5C62B853111D}"/>
               </a:ext>
             </a:extLst>
           </p:cNvPr>
@@ -5952,181 +5490,45 @@
           <a:p>
             <a:r>
               <a:rPr lang="en-US" dirty="0"/>
-              <a:t>A. </a:t>
-            </a:r>
-            <a:r>
-              <a:rPr lang="en-US" dirty="0" err="1"/>
-              <a:t>muciniphila</a:t>
-            </a:r>
-            <a:endParaRPr lang="en-US" dirty="0"/>
+              <a:t>Sanity Check figures</a:t>
+            </a:r>
           </a:p>
         </p:txBody>
       </p:sp>
       <p:pic>
         <p:nvPicPr>
-          <p:cNvPr id="5" name="Content Placeholder 4" descr="Chart, histogram&#10;&#10;Description automatically generated">
-            <a:extLst>
-              <a:ext uri="{FF2B5EF4-FFF2-40B4-BE49-F238E27FC236}">
-                <a16:creationId xmlns:a16="http://schemas.microsoft.com/office/drawing/2014/main" id="{2488A0D0-4397-38A8-8098-761E376F1105}"/>
+          <p:cNvPr id="4" name="Picture 3">
+            <a:extLst>
+              <a:ext uri="{FF2B5EF4-FFF2-40B4-BE49-F238E27FC236}">
+                <a16:creationId xmlns:a16="http://schemas.microsoft.com/office/drawing/2014/main" id="{42490D99-289B-6205-59AF-EFADCBB9B53E}"/>
               </a:ext>
             </a:extLst>
           </p:cNvPr>
           <p:cNvPicPr>
-            <a:picLocks noGrp="1" noChangeAspect="1"/>
+            <a:picLocks noChangeAspect="1"/>
           </p:cNvPicPr>
-          <p:nvPr>
-            <p:ph idx="1"/>
-          </p:nvPr>
+          <p:nvPr/>
         </p:nvPicPr>
         <p:blipFill>
-          <a:blip r:embed="rId2">
-            <a:extLst>
-              <a:ext uri="{28A0092B-C50C-407E-A947-70E740481C1C}">
-                <a14:useLocalDpi xmlns:a14="http://schemas.microsoft.com/office/drawing/2010/main" val="0"/>
-              </a:ext>
-            </a:extLst>
-          </a:blip>
+          <a:blip r:embed="rId2"/>
           <a:stretch>
             <a:fillRect/>
           </a:stretch>
         </p:blipFill>
         <p:spPr>
           <a:xfrm>
-            <a:off x="3195108" y="1825625"/>
-            <a:ext cx="5801784" cy="4351338"/>
-          </a:xfrm>
-        </p:spPr>
-      </p:pic>
-      <p:sp>
-        <p:nvSpPr>
-          <p:cNvPr id="3" name="TextBox 2">
-            <a:extLst>
-              <a:ext uri="{FF2B5EF4-FFF2-40B4-BE49-F238E27FC236}">
-                <a16:creationId xmlns:a16="http://schemas.microsoft.com/office/drawing/2014/main" id="{7D1EA5D0-E5F6-82CE-2110-5232020FBBA2}"/>
-              </a:ext>
-            </a:extLst>
-          </p:cNvPr>
-          <p:cNvSpPr txBox="1"/>
-          <p:nvPr/>
-        </p:nvSpPr>
-        <p:spPr>
-          <a:xfrm>
-            <a:off x="8808300" y="1027906"/>
-            <a:ext cx="2950488" cy="4524315"/>
+            <a:off x="2145323" y="1571537"/>
+            <a:ext cx="7901354" cy="5056867"/>
           </a:xfrm>
           <a:prstGeom prst="rect">
             <a:avLst/>
           </a:prstGeom>
-          <a:noFill/>
-          <a:ln w="76200">
-            <a:solidFill>
-              <a:srgbClr val="FF0000"/>
-            </a:solidFill>
-          </a:ln>
         </p:spPr>
-        <p:txBody>
-          <a:bodyPr wrap="none" rtlCol="0">
-            <a:spAutoFit/>
-          </a:bodyPr>
-          <a:lstStyle/>
-          <a:p>
-            <a:r>
-              <a:rPr lang="en-US" dirty="0"/>
-              <a:t>Kirk suggests taking</a:t>
-            </a:r>
-          </a:p>
-          <a:p>
-            <a:r>
-              <a:rPr lang="en-US" dirty="0"/>
-              <a:t>A closer look at a singular</a:t>
-            </a:r>
-          </a:p>
-          <a:p>
-            <a:r>
-              <a:rPr lang="en-US" dirty="0"/>
-              <a:t>Species to have better initial</a:t>
-            </a:r>
-          </a:p>
-          <a:p>
-            <a:r>
-              <a:rPr lang="en-US" dirty="0"/>
-              <a:t>For MLE’s</a:t>
-            </a:r>
-          </a:p>
-          <a:p>
-            <a:endParaRPr lang="en-US" dirty="0"/>
-          </a:p>
-          <a:p>
-            <a:endParaRPr lang="en-US" dirty="0"/>
-          </a:p>
-          <a:p>
-            <a:r>
-              <a:rPr lang="en-US" dirty="0"/>
-              <a:t>Of note, the ridge pattern</a:t>
-            </a:r>
-          </a:p>
-          <a:p>
-            <a:r>
-              <a:rPr lang="en-US" dirty="0"/>
-              <a:t>Is counter to what we might</a:t>
-            </a:r>
-          </a:p>
-          <a:p>
-            <a:r>
-              <a:rPr lang="en-US" dirty="0"/>
-              <a:t>Expect </a:t>
-            </a:r>
-            <a:r>
-              <a:rPr lang="en-US" i="1" dirty="0"/>
-              <a:t>a priori,</a:t>
-            </a:r>
-            <a:r>
-              <a:rPr lang="en-US" dirty="0"/>
-              <a:t> i.e., we would</a:t>
-            </a:r>
-          </a:p>
-          <a:p>
-            <a:r>
-              <a:rPr lang="en-US" dirty="0"/>
-              <a:t>Expect that the ridge should</a:t>
-            </a:r>
-          </a:p>
-          <a:p>
-            <a:r>
-              <a:rPr lang="en-US" dirty="0"/>
-              <a:t>Top left to bottom right.</a:t>
-            </a:r>
-          </a:p>
-          <a:p>
-            <a:endParaRPr lang="en-US" dirty="0"/>
-          </a:p>
-          <a:p>
-            <a:endParaRPr lang="en-US" dirty="0"/>
-          </a:p>
-          <a:p>
-            <a:r>
-              <a:rPr lang="en-US" dirty="0"/>
-              <a:t>Big contraction + small time</a:t>
-            </a:r>
-          </a:p>
-          <a:p>
-            <a:r>
-              <a:rPr lang="en-US" dirty="0"/>
-              <a:t>	==</a:t>
-            </a:r>
-          </a:p>
-          <a:p>
-            <a:r>
-              <a:rPr lang="en-US" dirty="0"/>
-              <a:t>Small contraction + big time</a:t>
-            </a:r>
-          </a:p>
-        </p:txBody>
-      </p:sp>
+      </p:pic>
     </p:spTree>
     <p:extLst>
       <p:ext uri="{BB962C8B-B14F-4D97-AF65-F5344CB8AC3E}">
-        <p14:creationId xmlns:p14="http://schemas.microsoft.com/office/powerpoint/2010/main" val="1981462907"/>
+        <p14:creationId xmlns:p14="http://schemas.microsoft.com/office/powerpoint/2010/main" val="3070443774"/>
       </p:ext>
     </p:extLst>
   </p:cSld>
@@ -6180,18 +5582,144 @@
             </a:r>
             <a:r>
               <a:rPr lang="en-US" dirty="0" err="1"/>
-              <a:t>onderdonkii</a:t>
+              <a:t>muciniphila</a:t>
             </a:r>
             <a:endParaRPr lang="en-US" dirty="0"/>
+          </a:p>
+        </p:txBody>
+      </p:sp>
+      <p:sp>
+        <p:nvSpPr>
+          <p:cNvPr id="3" name="TextBox 2">
+            <a:extLst>
+              <a:ext uri="{FF2B5EF4-FFF2-40B4-BE49-F238E27FC236}">
+                <a16:creationId xmlns:a16="http://schemas.microsoft.com/office/drawing/2014/main" id="{7D1EA5D0-E5F6-82CE-2110-5232020FBBA2}"/>
+              </a:ext>
+            </a:extLst>
+          </p:cNvPr>
+          <p:cNvSpPr txBox="1"/>
+          <p:nvPr/>
+        </p:nvSpPr>
+        <p:spPr>
+          <a:xfrm>
+            <a:off x="9241512" y="0"/>
+            <a:ext cx="2950488" cy="4524315"/>
+          </a:xfrm>
+          <a:prstGeom prst="rect">
+            <a:avLst/>
+          </a:prstGeom>
+          <a:noFill/>
+          <a:ln w="76200">
+            <a:solidFill>
+              <a:srgbClr val="FF0000"/>
+            </a:solidFill>
+          </a:ln>
+        </p:spPr>
+        <p:txBody>
+          <a:bodyPr wrap="none" rtlCol="0">
+            <a:spAutoFit/>
+          </a:bodyPr>
+          <a:lstStyle/>
+          <a:p>
+            <a:r>
+              <a:rPr lang="en-US" dirty="0"/>
+              <a:t>Kirk suggests taking</a:t>
+            </a:r>
+          </a:p>
+          <a:p>
+            <a:r>
+              <a:rPr lang="en-US" dirty="0"/>
+              <a:t>A closer look at a singular</a:t>
+            </a:r>
+          </a:p>
+          <a:p>
+            <a:r>
+              <a:rPr lang="en-US" dirty="0"/>
+              <a:t>Species to have better initial</a:t>
+            </a:r>
+          </a:p>
+          <a:p>
+            <a:r>
+              <a:rPr lang="en-US" dirty="0"/>
+              <a:t>For MLE’s</a:t>
+            </a:r>
+          </a:p>
+          <a:p>
+            <a:endParaRPr lang="en-US" dirty="0"/>
+          </a:p>
+          <a:p>
+            <a:endParaRPr lang="en-US" dirty="0"/>
+          </a:p>
+          <a:p>
+            <a:r>
+              <a:rPr lang="en-US" dirty="0"/>
+              <a:t>Of note, the ridge pattern</a:t>
+            </a:r>
+          </a:p>
+          <a:p>
+            <a:r>
+              <a:rPr lang="en-US" dirty="0"/>
+              <a:t>Is counter to what we might</a:t>
+            </a:r>
+          </a:p>
+          <a:p>
+            <a:r>
+              <a:rPr lang="en-US" dirty="0"/>
+              <a:t>Expect </a:t>
+            </a:r>
+            <a:r>
+              <a:rPr lang="en-US" i="1" dirty="0"/>
+              <a:t>a priori,</a:t>
+            </a:r>
+            <a:r>
+              <a:rPr lang="en-US" dirty="0"/>
+              <a:t> i.e., we would</a:t>
+            </a:r>
+          </a:p>
+          <a:p>
+            <a:r>
+              <a:rPr lang="en-US" dirty="0"/>
+              <a:t>Expect that the ridge should</a:t>
+            </a:r>
+          </a:p>
+          <a:p>
+            <a:r>
+              <a:rPr lang="en-US" dirty="0"/>
+              <a:t>Top left to bottom right.</a:t>
+            </a:r>
+          </a:p>
+          <a:p>
+            <a:endParaRPr lang="en-US" dirty="0"/>
+          </a:p>
+          <a:p>
+            <a:endParaRPr lang="en-US" dirty="0"/>
+          </a:p>
+          <a:p>
+            <a:r>
+              <a:rPr lang="en-US" dirty="0"/>
+              <a:t>Big contraction + small time</a:t>
+            </a:r>
+          </a:p>
+          <a:p>
+            <a:r>
+              <a:rPr lang="en-US" dirty="0"/>
+              <a:t>	==</a:t>
+            </a:r>
+          </a:p>
+          <a:p>
+            <a:r>
+              <a:rPr lang="en-US" dirty="0"/>
+              <a:t>Small contraction + big time</a:t>
+            </a:r>
           </a:p>
         </p:txBody>
       </p:sp>
       <p:pic>
         <p:nvPicPr>
-          <p:cNvPr id="5" name="Content Placeholder 4" descr="Chart&#10;&#10;Description automatically generated">
-            <a:extLst>
-              <a:ext uri="{FF2B5EF4-FFF2-40B4-BE49-F238E27FC236}">
-                <a16:creationId xmlns:a16="http://schemas.microsoft.com/office/drawing/2014/main" id="{6BE5D954-3B4A-D5EC-60CF-83E2C9D6840A}"/>
+          <p:cNvPr id="8" name="Content Placeholder 7" descr="Chart, histogram&#10;&#10;Description automatically generated">
+            <a:extLst>
+              <a:ext uri="{FF2B5EF4-FFF2-40B4-BE49-F238E27FC236}">
+                <a16:creationId xmlns:a16="http://schemas.microsoft.com/office/drawing/2014/main" id="{DE67071A-EE8F-6A94-F457-16C6C27DF8C1}"/>
               </a:ext>
             </a:extLst>
           </p:cNvPr>
@@ -6216,15 +5744,15 @@
         </p:blipFill>
         <p:spPr>
           <a:xfrm>
-            <a:off x="3195108" y="1825625"/>
-            <a:ext cx="5801784" cy="4351338"/>
+            <a:off x="2043953" y="1690688"/>
+            <a:ext cx="5366623" cy="4024967"/>
           </a:xfrm>
         </p:spPr>
       </p:pic>
     </p:spTree>
     <p:extLst>
       <p:ext uri="{BB962C8B-B14F-4D97-AF65-F5344CB8AC3E}">
-        <p14:creationId xmlns:p14="http://schemas.microsoft.com/office/powerpoint/2010/main" val="2320380963"/>
+        <p14:creationId xmlns:p14="http://schemas.microsoft.com/office/powerpoint/2010/main" val="3693227763"/>
       </p:ext>
     </p:extLst>
   </p:cSld>
@@ -6274,17 +5802,22 @@
           <a:p>
             <a:r>
               <a:rPr lang="en-US" dirty="0"/>
-              <a:t>B. thetaiotaomicron</a:t>
-            </a:r>
+              <a:t>A. </a:t>
+            </a:r>
+            <a:r>
+              <a:rPr lang="en-US" dirty="0" err="1"/>
+              <a:t>onderdonkii</a:t>
+            </a:r>
+            <a:endParaRPr lang="en-US" dirty="0"/>
           </a:p>
         </p:txBody>
       </p:sp>
       <p:pic>
         <p:nvPicPr>
-          <p:cNvPr id="5" name="Content Placeholder 4" descr="Chart, histogram&#10;&#10;Description automatically generated">
-            <a:extLst>
-              <a:ext uri="{FF2B5EF4-FFF2-40B4-BE49-F238E27FC236}">
-                <a16:creationId xmlns:a16="http://schemas.microsoft.com/office/drawing/2014/main" id="{52AF2059-0CE3-2004-15D2-DB546AF3E31F}"/>
+          <p:cNvPr id="7" name="Content Placeholder 6" descr="Chart, histogram&#10;&#10;Description automatically generated">
+            <a:extLst>
+              <a:ext uri="{FF2B5EF4-FFF2-40B4-BE49-F238E27FC236}">
+                <a16:creationId xmlns:a16="http://schemas.microsoft.com/office/drawing/2014/main" id="{05D68E4E-CFE9-1812-3F64-21767FD8CC05}"/>
               </a:ext>
             </a:extLst>
           </p:cNvPr>
@@ -6317,7 +5850,7 @@
     </p:spTree>
     <p:extLst>
       <p:ext uri="{BB962C8B-B14F-4D97-AF65-F5344CB8AC3E}">
-        <p14:creationId xmlns:p14="http://schemas.microsoft.com/office/powerpoint/2010/main" val="3324974773"/>
+        <p14:creationId xmlns:p14="http://schemas.microsoft.com/office/powerpoint/2010/main" val="2796031879"/>
       </p:ext>
     </p:extLst>
   </p:cSld>
@@ -6367,22 +5900,17 @@
           <a:p>
             <a:r>
               <a:rPr lang="en-US" dirty="0"/>
-              <a:t>B. </a:t>
-            </a:r>
-            <a:r>
-              <a:rPr lang="en-US" dirty="0" err="1"/>
-              <a:t>xylanisolvens</a:t>
-            </a:r>
-            <a:endParaRPr lang="en-US" dirty="0"/>
+              <a:t>B. thetaiotaomicron</a:t>
+            </a:r>
           </a:p>
         </p:txBody>
       </p:sp>
       <p:pic>
         <p:nvPicPr>
-          <p:cNvPr id="5" name="Content Placeholder 4" descr="A picture containing chart&#10;&#10;Description automatically generated">
-            <a:extLst>
-              <a:ext uri="{FF2B5EF4-FFF2-40B4-BE49-F238E27FC236}">
-                <a16:creationId xmlns:a16="http://schemas.microsoft.com/office/drawing/2014/main" id="{5D9B97FD-4105-677B-8846-BCD8B3A9AEE6}"/>
+          <p:cNvPr id="7" name="Content Placeholder 6" descr="Chart, histogram&#10;&#10;Description automatically generated">
+            <a:extLst>
+              <a:ext uri="{FF2B5EF4-FFF2-40B4-BE49-F238E27FC236}">
+                <a16:creationId xmlns:a16="http://schemas.microsoft.com/office/drawing/2014/main" id="{090EF9FB-2956-5F84-F1A5-E6F7C15740D9}"/>
               </a:ext>
             </a:extLst>
           </p:cNvPr>
@@ -6415,7 +5943,7 @@
     </p:spTree>
     <p:extLst>
       <p:ext uri="{BB962C8B-B14F-4D97-AF65-F5344CB8AC3E}">
-        <p14:creationId xmlns:p14="http://schemas.microsoft.com/office/powerpoint/2010/main" val="1098799274"/>
+        <p14:creationId xmlns:p14="http://schemas.microsoft.com/office/powerpoint/2010/main" val="3324974773"/>
       </p:ext>
     </p:extLst>
   </p:cSld>
@@ -6469,7 +5997,7 @@
             </a:r>
             <a:r>
               <a:rPr lang="en-US" dirty="0" err="1"/>
-              <a:t>intestinihominis</a:t>
+              <a:t>xylanisolvens</a:t>
             </a:r>
             <a:endParaRPr lang="en-US" dirty="0"/>
           </a:p>
@@ -6477,10 +6005,10 @@
       </p:sp>
       <p:pic>
         <p:nvPicPr>
-          <p:cNvPr id="5" name="Content Placeholder 4" descr="Chart&#10;&#10;Description automatically generated">
-            <a:extLst>
-              <a:ext uri="{FF2B5EF4-FFF2-40B4-BE49-F238E27FC236}">
-                <a16:creationId xmlns:a16="http://schemas.microsoft.com/office/drawing/2014/main" id="{D4D47DED-CF73-A33C-F093-2794C363B7D9}"/>
+          <p:cNvPr id="7" name="Content Placeholder 6" descr="Chart&#10;&#10;Description automatically generated">
+            <a:extLst>
+              <a:ext uri="{FF2B5EF4-FFF2-40B4-BE49-F238E27FC236}">
+                <a16:creationId xmlns:a16="http://schemas.microsoft.com/office/drawing/2014/main" id="{C2F341F1-FA66-15EC-5F72-70E58B96EA0A}"/>
               </a:ext>
             </a:extLst>
           </p:cNvPr>
@@ -6513,7 +6041,7 @@
     </p:spTree>
     <p:extLst>
       <p:ext uri="{BB962C8B-B14F-4D97-AF65-F5344CB8AC3E}">
-        <p14:creationId xmlns:p14="http://schemas.microsoft.com/office/powerpoint/2010/main" val="777973639"/>
+        <p14:creationId xmlns:p14="http://schemas.microsoft.com/office/powerpoint/2010/main" val="2067307387"/>
       </p:ext>
     </p:extLst>
   </p:cSld>

--- a/Summary/20220822_microbiome_demographic_slides.pptx
+++ b/Summary/20220822_microbiome_demographic_slides.pptx
@@ -151,7 +151,7 @@
 <file path=ppt/revisionInfo.xml><?xml version="1.0" encoding="utf-8"?>
 <p1510:revInfo xmlns:a="http://schemas.openxmlformats.org/drawingml/2006/main" xmlns:r="http://schemas.openxmlformats.org/officeDocument/2006/relationships" xmlns:p1510="http://schemas.microsoft.com/office/powerpoint/2015/10/main">
   <p1510:revLst>
-    <p1510:client id="{8B08D110-2608-456E-A3D2-C1AB89D98C7E}" v="32" dt="2022-08-22T20:07:04.947"/>
+    <p1510:client id="{8B08D110-2608-456E-A3D2-C1AB89D98C7E}" v="36" dt="2022-08-22T20:55:59.546"/>
   </p1510:revLst>
 </p1510:revInfo>
 </file>
@@ -161,7 +161,7 @@
   <pc:docChgLst>
     <pc:chgData name="Jonathan Mah" userId="5261b2f2f3e51194" providerId="LiveId" clId="{8B08D110-2608-456E-A3D2-C1AB89D98C7E}"/>
     <pc:docChg chg="undo redo custSel addSld delSld modSld sldOrd delSection modSection">
-      <pc:chgData name="Jonathan Mah" userId="5261b2f2f3e51194" providerId="LiveId" clId="{8B08D110-2608-456E-A3D2-C1AB89D98C7E}" dt="2022-08-22T20:10:39.395" v="284" actId="47"/>
+      <pc:chgData name="Jonathan Mah" userId="5261b2f2f3e51194" providerId="LiveId" clId="{8B08D110-2608-456E-A3D2-C1AB89D98C7E}" dt="2022-08-22T20:57:34.410" v="404" actId="20577"/>
       <pc:docMkLst>
         <pc:docMk/>
       </pc:docMkLst>
@@ -333,7 +333,7 @@
         </pc:picChg>
       </pc:sldChg>
       <pc:sldChg chg="addSp delSp modSp add del mod">
-        <pc:chgData name="Jonathan Mah" userId="5261b2f2f3e51194" providerId="LiveId" clId="{8B08D110-2608-456E-A3D2-C1AB89D98C7E}" dt="2022-08-22T19:45:22.950" v="110" actId="962"/>
+        <pc:chgData name="Jonathan Mah" userId="5261b2f2f3e51194" providerId="LiveId" clId="{8B08D110-2608-456E-A3D2-C1AB89D98C7E}" dt="2022-08-22T20:57:34.410" v="404" actId="20577"/>
         <pc:sldMkLst>
           <pc:docMk/>
           <pc:sldMk cId="3324974773" sldId="374"/>
@@ -344,6 +344,14 @@
             <pc:docMk/>
             <pc:sldMk cId="3324974773" sldId="374"/>
             <ac:spMk id="4" creationId="{4093C3B0-D8F6-D1AD-2339-47B6DFC57A6B}"/>
+          </ac:spMkLst>
+        </pc:spChg>
+        <pc:spChg chg="add mod">
+          <ac:chgData name="Jonathan Mah" userId="5261b2f2f3e51194" providerId="LiveId" clId="{8B08D110-2608-456E-A3D2-C1AB89D98C7E}" dt="2022-08-22T20:57:34.410" v="404" actId="20577"/>
+          <ac:spMkLst>
+            <pc:docMk/>
+            <pc:sldMk cId="3324974773" sldId="374"/>
+            <ac:spMk id="8" creationId="{ECB42B3A-505F-56B5-87C0-E8DED6D61C11}"/>
           </ac:spMkLst>
         </pc:spChg>
         <pc:picChg chg="add del mod">
@@ -363,7 +371,7 @@
           </ac:picMkLst>
         </pc:picChg>
         <pc:picChg chg="add mod">
-          <ac:chgData name="Jonathan Mah" userId="5261b2f2f3e51194" providerId="LiveId" clId="{8B08D110-2608-456E-A3D2-C1AB89D98C7E}" dt="2022-08-22T19:45:22.950" v="110" actId="962"/>
+          <ac:chgData name="Jonathan Mah" userId="5261b2f2f3e51194" providerId="LiveId" clId="{8B08D110-2608-456E-A3D2-C1AB89D98C7E}" dt="2022-08-22T20:55:59.062" v="321" actId="1076"/>
           <ac:picMkLst>
             <pc:docMk/>
             <pc:sldMk cId="3324974773" sldId="374"/>
@@ -403,17 +411,41 @@
         </pc:picChg>
       </pc:sldChg>
       <pc:sldChg chg="addSp delSp modSp add del mod">
-        <pc:chgData name="Jonathan Mah" userId="5261b2f2f3e51194" providerId="LiveId" clId="{8B08D110-2608-456E-A3D2-C1AB89D98C7E}" dt="2022-08-22T19:46:05.195" v="118" actId="962"/>
+        <pc:chgData name="Jonathan Mah" userId="5261b2f2f3e51194" providerId="LiveId" clId="{8B08D110-2608-456E-A3D2-C1AB89D98C7E}" dt="2022-08-22T20:55:56.258" v="320" actId="21"/>
         <pc:sldMkLst>
           <pc:docMk/>
           <pc:sldMk cId="777973639" sldId="376"/>
         </pc:sldMkLst>
+        <pc:spChg chg="mod">
+          <ac:chgData name="Jonathan Mah" userId="5261b2f2f3e51194" providerId="LiveId" clId="{8B08D110-2608-456E-A3D2-C1AB89D98C7E}" dt="2022-08-22T20:54:38.905" v="291" actId="2711"/>
+          <ac:spMkLst>
+            <pc:docMk/>
+            <pc:sldMk cId="777973639" sldId="376"/>
+            <ac:spMk id="2" creationId="{DDECB1F4-193F-9752-CBCE-13D62BD690F0}"/>
+          </ac:spMkLst>
+        </pc:spChg>
         <pc:spChg chg="add del mod">
           <ac:chgData name="Jonathan Mah" userId="5261b2f2f3e51194" providerId="LiveId" clId="{8B08D110-2608-456E-A3D2-C1AB89D98C7E}" dt="2022-08-22T19:46:04.547" v="116" actId="931"/>
           <ac:spMkLst>
             <pc:docMk/>
             <pc:sldMk cId="777973639" sldId="376"/>
             <ac:spMk id="4" creationId="{269B4E42-5C9F-FAF4-CA6C-F7DD868FB801}"/>
+          </ac:spMkLst>
+        </pc:spChg>
+        <pc:spChg chg="add del mod">
+          <ac:chgData name="Jonathan Mah" userId="5261b2f2f3e51194" providerId="LiveId" clId="{8B08D110-2608-456E-A3D2-C1AB89D98C7E}" dt="2022-08-22T20:55:54.909" v="319" actId="478"/>
+          <ac:spMkLst>
+            <pc:docMk/>
+            <pc:sldMk cId="777973639" sldId="376"/>
+            <ac:spMk id="8" creationId="{65DD69F0-FDB4-29FB-7709-6F5127D468AF}"/>
+          </ac:spMkLst>
+        </pc:spChg>
+        <pc:spChg chg="add del mod">
+          <ac:chgData name="Jonathan Mah" userId="5261b2f2f3e51194" providerId="LiveId" clId="{8B08D110-2608-456E-A3D2-C1AB89D98C7E}" dt="2022-08-22T20:55:56.258" v="320" actId="21"/>
+          <ac:spMkLst>
+            <pc:docMk/>
+            <pc:sldMk cId="777973639" sldId="376"/>
+            <ac:spMk id="10" creationId="{CFBE7BB5-265B-4798-FC2B-BFC4E9F3D8A3}"/>
           </ac:spMkLst>
         </pc:spChg>
         <pc:picChg chg="add del mod">
@@ -433,7 +465,7 @@
           </ac:picMkLst>
         </pc:picChg>
         <pc:picChg chg="add mod">
-          <ac:chgData name="Jonathan Mah" userId="5261b2f2f3e51194" providerId="LiveId" clId="{8B08D110-2608-456E-A3D2-C1AB89D98C7E}" dt="2022-08-22T19:46:05.195" v="118" actId="962"/>
+          <ac:chgData name="Jonathan Mah" userId="5261b2f2f3e51194" providerId="LiveId" clId="{8B08D110-2608-456E-A3D2-C1AB89D98C7E}" dt="2022-08-22T20:54:15.071" v="285" actId="1076"/>
           <ac:picMkLst>
             <pc:docMk/>
             <pc:sldMk cId="777973639" sldId="376"/>
@@ -815,6 +847,29 @@
           </ac:picMkLst>
         </pc:picChg>
       </pc:sldChg>
+      <pc:sldChg chg="addSp delSp modSp add del mod">
+        <pc:chgData name="Jonathan Mah" userId="5261b2f2f3e51194" providerId="LiveId" clId="{8B08D110-2608-456E-A3D2-C1AB89D98C7E}" dt="2022-08-22T20:55:50.691" v="318"/>
+        <pc:sldMkLst>
+          <pc:docMk/>
+          <pc:sldMk cId="4264351762" sldId="395"/>
+        </pc:sldMkLst>
+        <pc:spChg chg="mod">
+          <ac:chgData name="Jonathan Mah" userId="5261b2f2f3e51194" providerId="LiveId" clId="{8B08D110-2608-456E-A3D2-C1AB89D98C7E}" dt="2022-08-22T20:55:50.283" v="317" actId="20577"/>
+          <ac:spMkLst>
+            <pc:docMk/>
+            <pc:sldMk cId="4264351762" sldId="395"/>
+            <ac:spMk id="2" creationId="{DDECB1F4-193F-9752-CBCE-13D62BD690F0}"/>
+          </ac:spMkLst>
+        </pc:spChg>
+        <pc:spChg chg="add del">
+          <ac:chgData name="Jonathan Mah" userId="5261b2f2f3e51194" providerId="LiveId" clId="{8B08D110-2608-456E-A3D2-C1AB89D98C7E}" dt="2022-08-22T20:55:49.938" v="316" actId="478"/>
+          <ac:spMkLst>
+            <pc:docMk/>
+            <pc:sldMk cId="4264351762" sldId="395"/>
+            <ac:spMk id="10" creationId="{CFBE7BB5-265B-4798-FC2B-BFC4E9F3D8A3}"/>
+          </ac:spMkLst>
+        </pc:spChg>
+      </pc:sldChg>
     </pc:docChg>
   </pc:docChgLst>
 </pc:chgInfo>
@@ -4548,14 +4603,23 @@
           <a:lstStyle/>
           <a:p>
             <a:r>
-              <a:rPr lang="en-US" dirty="0"/>
+              <a:rPr lang="en-US" dirty="0">
+                <a:latin typeface="Yu Gothic" panose="020B0400000000000000" pitchFamily="34" charset="-128"/>
+                <a:ea typeface="Yu Gothic" panose="020B0400000000000000" pitchFamily="34" charset="-128"/>
+              </a:rPr>
               <a:t>B. </a:t>
             </a:r>
             <a:r>
-              <a:rPr lang="en-US" dirty="0" err="1"/>
+              <a:rPr lang="en-US" dirty="0" err="1">
+                <a:latin typeface="Yu Gothic" panose="020B0400000000000000" pitchFamily="34" charset="-128"/>
+                <a:ea typeface="Yu Gothic" panose="020B0400000000000000" pitchFamily="34" charset="-128"/>
+              </a:rPr>
               <a:t>intestinihominis</a:t>
             </a:r>
-            <a:endParaRPr lang="en-US" dirty="0"/>
+            <a:endParaRPr lang="en-US" dirty="0">
+              <a:latin typeface="Yu Gothic" panose="020B0400000000000000" pitchFamily="34" charset="-128"/>
+              <a:ea typeface="Yu Gothic" panose="020B0400000000000000" pitchFamily="34" charset="-128"/>
+            </a:endParaRPr>
           </a:p>
         </p:txBody>
       </p:sp>
@@ -4589,7 +4653,7 @@
         </p:blipFill>
         <p:spPr>
           <a:xfrm>
-            <a:off x="3195108" y="1825625"/>
+            <a:off x="439208" y="1690688"/>
             <a:ext cx="5801784" cy="4351338"/>
           </a:xfrm>
         </p:spPr>
@@ -5935,11 +5999,114 @@
         </p:blipFill>
         <p:spPr>
           <a:xfrm>
-            <a:off x="3195108" y="1825625"/>
+            <a:off x="426508" y="1253331"/>
             <a:ext cx="5801784" cy="4351338"/>
           </a:xfrm>
         </p:spPr>
       </p:pic>
+      <p:sp>
+        <p:nvSpPr>
+          <p:cNvPr id="8" name="TextBox 7">
+            <a:extLst>
+              <a:ext uri="{FF2B5EF4-FFF2-40B4-BE49-F238E27FC236}">
+                <a16:creationId xmlns:a16="http://schemas.microsoft.com/office/drawing/2014/main" id="{ECB42B3A-505F-56B5-87C0-E8DED6D61C11}"/>
+              </a:ext>
+            </a:extLst>
+          </p:cNvPr>
+          <p:cNvSpPr txBox="1"/>
+          <p:nvPr/>
+        </p:nvSpPr>
+        <p:spPr>
+          <a:xfrm>
+            <a:off x="5930900" y="1429078"/>
+            <a:ext cx="6096000" cy="1384995"/>
+          </a:xfrm>
+          <a:prstGeom prst="rect">
+            <a:avLst/>
+          </a:prstGeom>
+          <a:noFill/>
+        </p:spPr>
+        <p:txBody>
+          <a:bodyPr wrap="square">
+            <a:spAutoFit/>
+          </a:bodyPr>
+          <a:lstStyle/>
+          <a:p>
+            <a:r>
+              <a:rPr lang="en-US" sz="1400" dirty="0">
+                <a:latin typeface="Yu Gothic" panose="020B0400000000000000" pitchFamily="34" charset="-128"/>
+                <a:ea typeface="Yu Gothic" panose="020B0400000000000000" pitchFamily="34" charset="-128"/>
+              </a:rPr>
+              <a:t>Best fit parameters: [0.00575632 0.00019757].</a:t>
+            </a:r>
+          </a:p>
+          <a:p>
+            <a:r>
+              <a:rPr lang="en-US" sz="1400" dirty="0">
+                <a:latin typeface="Yu Gothic" panose="020B0400000000000000" pitchFamily="34" charset="-128"/>
+                <a:ea typeface="Yu Gothic" panose="020B0400000000000000" pitchFamily="34" charset="-128"/>
+              </a:rPr>
+              <a:t>Maximum multinomial log composite likelihood: </a:t>
+            </a:r>
+            <a:r>
+              <a:rPr lang="en-US" sz="1400" dirty="0">
+                <a:solidFill>
+                  <a:srgbClr val="FF0000"/>
+                </a:solidFill>
+                <a:latin typeface="Yu Gothic" panose="020B0400000000000000" pitchFamily="34" charset="-128"/>
+                <a:ea typeface="Yu Gothic" panose="020B0400000000000000" pitchFamily="34" charset="-128"/>
+              </a:rPr>
+              <a:t>-86.5301510885.</a:t>
+            </a:r>
+          </a:p>
+          <a:p>
+            <a:endParaRPr lang="en-US" sz="1400" dirty="0">
+              <a:solidFill>
+                <a:srgbClr val="FF0000"/>
+              </a:solidFill>
+              <a:latin typeface="Yu Gothic" panose="020B0400000000000000" pitchFamily="34" charset="-128"/>
+              <a:ea typeface="Yu Gothic" panose="020B0400000000000000" pitchFamily="34" charset="-128"/>
+            </a:endParaRPr>
+          </a:p>
+          <a:p>
+            <a:endParaRPr lang="en-US" sz="1400" dirty="0">
+              <a:solidFill>
+                <a:srgbClr val="FF0000"/>
+              </a:solidFill>
+              <a:latin typeface="Yu Gothic" panose="020B0400000000000000" pitchFamily="34" charset="-128"/>
+              <a:ea typeface="Yu Gothic" panose="020B0400000000000000" pitchFamily="34" charset="-128"/>
+            </a:endParaRPr>
+          </a:p>
+          <a:p>
+            <a:r>
+              <a:rPr lang="en-US" sz="1400" dirty="0">
+                <a:solidFill>
+                  <a:srgbClr val="FF0000"/>
+                </a:solidFill>
+                <a:latin typeface="Yu Gothic" panose="020B0400000000000000" pitchFamily="34" charset="-128"/>
+                <a:ea typeface="Yu Gothic" panose="020B0400000000000000" pitchFamily="34" charset="-128"/>
+              </a:rPr>
+              <a:t>There’s a plotting error! I think I figured it </a:t>
+            </a:r>
+            <a:r>
+              <a:rPr lang="en-US" sz="1400">
+                <a:solidFill>
+                  <a:srgbClr val="FF0000"/>
+                </a:solidFill>
+                <a:latin typeface="Yu Gothic" panose="020B0400000000000000" pitchFamily="34" charset="-128"/>
+                <a:ea typeface="Yu Gothic" panose="020B0400000000000000" pitchFamily="34" charset="-128"/>
+              </a:rPr>
+              <a:t>out though</a:t>
+            </a:r>
+          </a:p>
+          <a:p>
+            <a:endParaRPr lang="en-US" sz="1400" dirty="0">
+              <a:latin typeface="Yu Gothic" panose="020B0400000000000000" pitchFamily="34" charset="-128"/>
+              <a:ea typeface="Yu Gothic" panose="020B0400000000000000" pitchFamily="34" charset="-128"/>
+            </a:endParaRPr>
+          </a:p>
+        </p:txBody>
+      </p:sp>
     </p:spTree>
     <p:extLst>
       <p:ext uri="{BB962C8B-B14F-4D97-AF65-F5344CB8AC3E}">
